--- a/宣道詩/(宣道詩94)向高處行.pptx
+++ b/宣道詩/(宣道詩94)向高處行.pptx
@@ -17,7 +17,7 @@
     <p:sldId id="263" r:id="rId8"/>
     <p:sldId id="264" r:id="rId9"/>
   </p:sldIdLst>
-  <p:sldSz cx="9144000" cy="6858000" type="screen4x3"/>
+  <p:sldSz cx="12192000" cy="6858000"/>
   <p:notesSz cx="6858000" cy="9144000"/>
   <p:defaultTextStyle>
     <a:defPPr>
@@ -114,6 +114,22 @@
       </a:defRPr>
     </a:lvl9pPr>
   </p:defaultTextStyle>
+  <p:extLst>
+    <p:ext uri="{EFAFB233-063F-42B5-8137-9DF3F51BA10A}">
+      <p15:sldGuideLst xmlns:p15="http://schemas.microsoft.com/office/powerpoint/2012/main">
+        <p15:guide id="1" orient="horz" pos="2160" userDrawn="1">
+          <p15:clr>
+            <a:srgbClr val="A4A3A4"/>
+          </p15:clr>
+        </p15:guide>
+        <p15:guide id="2" pos="3840" userDrawn="1">
+          <p15:clr>
+            <a:srgbClr val="A4A3A4"/>
+          </p15:clr>
+        </p15:guide>
+      </p15:sldGuideLst>
+    </p:ext>
+  </p:extLst>
 </p:presentation>
 </file>
 
@@ -200,7 +216,7 @@
             <a:fld id="{8C31C84E-3203-4D37-9A3B-E58CC3E17B5D}" type="datetimeFigureOut">
               <a:rPr lang="zh-TW" altLang="en-US" smtClean="0"/>
               <a:pPr/>
-              <a:t>2018/6/30</a:t>
+              <a:t>2020/8/8</a:t>
             </a:fld>
             <a:endParaRPr lang="zh-TW" altLang="en-US"/>
           </a:p>
@@ -218,8 +234,8 @@
         </p:nvSpPr>
         <p:spPr>
           <a:xfrm>
-            <a:off x="1143000" y="685800"/>
-            <a:ext cx="4572000" cy="3429000"/>
+            <a:off x="381000" y="685800"/>
+            <a:ext cx="6096000" cy="3429000"/>
           </a:xfrm>
           <a:prstGeom prst="rect">
             <a:avLst/>
@@ -493,7 +509,12 @@
             <p:ph type="sldImg"/>
           </p:nvPr>
         </p:nvSpPr>
-        <p:spPr/>
+        <p:spPr>
+          <a:xfrm>
+            <a:off x="381000" y="685800"/>
+            <a:ext cx="6096000" cy="3429000"/>
+          </a:xfrm>
+        </p:spPr>
       </p:sp>
       <p:sp>
         <p:nvSpPr>
@@ -581,8 +602,8 @@
         </p:nvSpPr>
         <p:spPr>
           <a:xfrm>
-            <a:off x="685800" y="2130425"/>
-            <a:ext cx="7772400" cy="1470025"/>
+            <a:off x="914400" y="2130426"/>
+            <a:ext cx="10363200" cy="1470025"/>
           </a:xfrm>
         </p:spPr>
         <p:txBody>
@@ -609,8 +630,8 @@
         </p:nvSpPr>
         <p:spPr>
           <a:xfrm>
-            <a:off x="1371600" y="3886200"/>
-            <a:ext cx="6400800" cy="1752600"/>
+            <a:off x="1828800" y="3886200"/>
+            <a:ext cx="8534400" cy="1752600"/>
           </a:xfrm>
         </p:spPr>
         <p:txBody>
@@ -734,7 +755,7 @@
             <a:fld id="{E2276ED2-9D2C-4A5C-BC44-0832F88325FE}" type="datetimeFigureOut">
               <a:rPr lang="zh-TW" altLang="en-US" smtClean="0"/>
               <a:pPr/>
-              <a:t>2018/6/30</a:t>
+              <a:t>2020/8/8</a:t>
             </a:fld>
             <a:endParaRPr lang="zh-TW" altLang="en-US"/>
           </a:p>
@@ -901,7 +922,7 @@
             <a:fld id="{E2276ED2-9D2C-4A5C-BC44-0832F88325FE}" type="datetimeFigureOut">
               <a:rPr lang="zh-TW" altLang="en-US" smtClean="0"/>
               <a:pPr/>
-              <a:t>2018/6/30</a:t>
+              <a:t>2020/8/8</a:t>
             </a:fld>
             <a:endParaRPr lang="zh-TW" altLang="en-US"/>
           </a:p>
@@ -987,8 +1008,8 @@
         </p:nvSpPr>
         <p:spPr>
           <a:xfrm>
-            <a:off x="6629400" y="274638"/>
-            <a:ext cx="2057400" cy="5851525"/>
+            <a:off x="8839200" y="274639"/>
+            <a:ext cx="2743200" cy="5851525"/>
           </a:xfrm>
         </p:spPr>
         <p:txBody>
@@ -1015,8 +1036,8 @@
         </p:nvSpPr>
         <p:spPr>
           <a:xfrm>
-            <a:off x="457200" y="274638"/>
-            <a:ext cx="6019800" cy="5851525"/>
+            <a:off x="609600" y="274639"/>
+            <a:ext cx="8026400" cy="5851525"/>
           </a:xfrm>
         </p:spPr>
         <p:txBody>
@@ -1078,7 +1099,7 @@
             <a:fld id="{E2276ED2-9D2C-4A5C-BC44-0832F88325FE}" type="datetimeFigureOut">
               <a:rPr lang="zh-TW" altLang="en-US" smtClean="0"/>
               <a:pPr/>
-              <a:t>2018/6/30</a:t>
+              <a:t>2020/8/8</a:t>
             </a:fld>
             <a:endParaRPr lang="zh-TW" altLang="en-US"/>
           </a:p>
@@ -1245,7 +1266,7 @@
             <a:fld id="{E2276ED2-9D2C-4A5C-BC44-0832F88325FE}" type="datetimeFigureOut">
               <a:rPr lang="zh-TW" altLang="en-US" smtClean="0"/>
               <a:pPr/>
-              <a:t>2018/6/30</a:t>
+              <a:t>2020/8/8</a:t>
             </a:fld>
             <a:endParaRPr lang="zh-TW" altLang="en-US"/>
           </a:p>
@@ -1331,8 +1352,8 @@
         </p:nvSpPr>
         <p:spPr>
           <a:xfrm>
-            <a:off x="722313" y="4406900"/>
-            <a:ext cx="7772400" cy="1362075"/>
+            <a:off x="963084" y="4406901"/>
+            <a:ext cx="10363200" cy="1362075"/>
           </a:xfrm>
         </p:spPr>
         <p:txBody>
@@ -1363,8 +1384,8 @@
         </p:nvSpPr>
         <p:spPr>
           <a:xfrm>
-            <a:off x="722313" y="2906713"/>
-            <a:ext cx="7772400" cy="1500187"/>
+            <a:off x="963084" y="2906713"/>
+            <a:ext cx="10363200" cy="1500187"/>
           </a:xfrm>
         </p:spPr>
         <p:txBody>
@@ -1488,7 +1509,7 @@
             <a:fld id="{E2276ED2-9D2C-4A5C-BC44-0832F88325FE}" type="datetimeFigureOut">
               <a:rPr lang="zh-TW" altLang="en-US" smtClean="0"/>
               <a:pPr/>
-              <a:t>2018/6/30</a:t>
+              <a:t>2020/8/8</a:t>
             </a:fld>
             <a:endParaRPr lang="zh-TW" altLang="en-US"/>
           </a:p>
@@ -1597,8 +1618,8 @@
         </p:nvSpPr>
         <p:spPr>
           <a:xfrm>
-            <a:off x="457200" y="1600200"/>
-            <a:ext cx="4038600" cy="4525963"/>
+            <a:off x="609600" y="1600201"/>
+            <a:ext cx="5384800" cy="4525963"/>
           </a:xfrm>
         </p:spPr>
         <p:txBody>
@@ -1682,8 +1703,8 @@
         </p:nvSpPr>
         <p:spPr>
           <a:xfrm>
-            <a:off x="4648200" y="1600200"/>
-            <a:ext cx="4038600" cy="4525963"/>
+            <a:off x="6197600" y="1600201"/>
+            <a:ext cx="5384800" cy="4525963"/>
           </a:xfrm>
         </p:spPr>
         <p:txBody>
@@ -1773,7 +1794,7 @@
             <a:fld id="{E2276ED2-9D2C-4A5C-BC44-0832F88325FE}" type="datetimeFigureOut">
               <a:rPr lang="zh-TW" altLang="en-US" smtClean="0"/>
               <a:pPr/>
-              <a:t>2018/6/30</a:t>
+              <a:t>2020/8/8</a:t>
             </a:fld>
             <a:endParaRPr lang="zh-TW" altLang="en-US"/>
           </a:p>
@@ -1886,8 +1907,8 @@
         </p:nvSpPr>
         <p:spPr>
           <a:xfrm>
-            <a:off x="457200" y="1535113"/>
-            <a:ext cx="4040188" cy="639762"/>
+            <a:off x="609600" y="1535113"/>
+            <a:ext cx="5386917" cy="639762"/>
           </a:xfrm>
         </p:spPr>
         <p:txBody>
@@ -1951,8 +1972,8 @@
         </p:nvSpPr>
         <p:spPr>
           <a:xfrm>
-            <a:off x="457200" y="2174875"/>
-            <a:ext cx="4040188" cy="3951288"/>
+            <a:off x="609600" y="2174875"/>
+            <a:ext cx="5386917" cy="3951288"/>
           </a:xfrm>
         </p:spPr>
         <p:txBody>
@@ -2036,8 +2057,8 @@
         </p:nvSpPr>
         <p:spPr>
           <a:xfrm>
-            <a:off x="4645025" y="1535113"/>
-            <a:ext cx="4041775" cy="639762"/>
+            <a:off x="6193368" y="1535113"/>
+            <a:ext cx="5389033" cy="639762"/>
           </a:xfrm>
         </p:spPr>
         <p:txBody>
@@ -2101,8 +2122,8 @@
         </p:nvSpPr>
         <p:spPr>
           <a:xfrm>
-            <a:off x="4645025" y="2174875"/>
-            <a:ext cx="4041775" cy="3951288"/>
+            <a:off x="6193368" y="2174875"/>
+            <a:ext cx="5389033" cy="3951288"/>
           </a:xfrm>
         </p:spPr>
         <p:txBody>
@@ -2192,7 +2213,7 @@
             <a:fld id="{E2276ED2-9D2C-4A5C-BC44-0832F88325FE}" type="datetimeFigureOut">
               <a:rPr lang="zh-TW" altLang="en-US" smtClean="0"/>
               <a:pPr/>
-              <a:t>2018/6/30</a:t>
+              <a:t>2020/8/8</a:t>
             </a:fld>
             <a:endParaRPr lang="zh-TW" altLang="en-US"/>
           </a:p>
@@ -2307,7 +2328,7 @@
             <a:fld id="{E2276ED2-9D2C-4A5C-BC44-0832F88325FE}" type="datetimeFigureOut">
               <a:rPr lang="zh-TW" altLang="en-US" smtClean="0"/>
               <a:pPr/>
-              <a:t>2018/6/30</a:t>
+              <a:t>2020/8/8</a:t>
             </a:fld>
             <a:endParaRPr lang="zh-TW" altLang="en-US"/>
           </a:p>
@@ -2399,7 +2420,7 @@
             <a:fld id="{E2276ED2-9D2C-4A5C-BC44-0832F88325FE}" type="datetimeFigureOut">
               <a:rPr lang="zh-TW" altLang="en-US" smtClean="0"/>
               <a:pPr/>
-              <a:t>2018/6/30</a:t>
+              <a:t>2020/8/8</a:t>
             </a:fld>
             <a:endParaRPr lang="zh-TW" altLang="en-US"/>
           </a:p>
@@ -2485,8 +2506,8 @@
         </p:nvSpPr>
         <p:spPr>
           <a:xfrm>
-            <a:off x="457200" y="273050"/>
-            <a:ext cx="3008313" cy="1162050"/>
+            <a:off x="609601" y="273050"/>
+            <a:ext cx="4011084" cy="1162050"/>
           </a:xfrm>
         </p:spPr>
         <p:txBody>
@@ -2517,8 +2538,8 @@
         </p:nvSpPr>
         <p:spPr>
           <a:xfrm>
-            <a:off x="3575050" y="273050"/>
-            <a:ext cx="5111750" cy="5853113"/>
+            <a:off x="4766733" y="273051"/>
+            <a:ext cx="6815667" cy="5853113"/>
           </a:xfrm>
         </p:spPr>
         <p:txBody>
@@ -2602,8 +2623,8 @@
         </p:nvSpPr>
         <p:spPr>
           <a:xfrm>
-            <a:off x="457200" y="1435100"/>
-            <a:ext cx="3008313" cy="4691063"/>
+            <a:off x="609601" y="1435101"/>
+            <a:ext cx="4011084" cy="4691063"/>
           </a:xfrm>
         </p:spPr>
         <p:txBody>
@@ -2673,7 +2694,7 @@
             <a:fld id="{E2276ED2-9D2C-4A5C-BC44-0832F88325FE}" type="datetimeFigureOut">
               <a:rPr lang="zh-TW" altLang="en-US" smtClean="0"/>
               <a:pPr/>
-              <a:t>2018/6/30</a:t>
+              <a:t>2020/8/8</a:t>
             </a:fld>
             <a:endParaRPr lang="zh-TW" altLang="en-US"/>
           </a:p>
@@ -2759,8 +2780,8 @@
         </p:nvSpPr>
         <p:spPr>
           <a:xfrm>
-            <a:off x="1792288" y="4800600"/>
-            <a:ext cx="5486400" cy="566738"/>
+            <a:off x="2389717" y="4800600"/>
+            <a:ext cx="7315200" cy="566738"/>
           </a:xfrm>
         </p:spPr>
         <p:txBody>
@@ -2791,8 +2812,8 @@
         </p:nvSpPr>
         <p:spPr>
           <a:xfrm>
-            <a:off x="1792288" y="612775"/>
-            <a:ext cx="5486400" cy="4114800"/>
+            <a:off x="2389717" y="612775"/>
+            <a:ext cx="7315200" cy="4114800"/>
           </a:xfrm>
         </p:spPr>
         <p:txBody>
@@ -2856,8 +2877,8 @@
         </p:nvSpPr>
         <p:spPr>
           <a:xfrm>
-            <a:off x="1792288" y="5367338"/>
-            <a:ext cx="5486400" cy="804862"/>
+            <a:off x="2389717" y="5367338"/>
+            <a:ext cx="7315200" cy="804862"/>
           </a:xfrm>
         </p:spPr>
         <p:txBody>
@@ -2927,7 +2948,7 @@
             <a:fld id="{E2276ED2-9D2C-4A5C-BC44-0832F88325FE}" type="datetimeFigureOut">
               <a:rPr lang="zh-TW" altLang="en-US" smtClean="0"/>
               <a:pPr/>
-              <a:t>2018/6/30</a:t>
+              <a:t>2020/8/8</a:t>
             </a:fld>
             <a:endParaRPr lang="zh-TW" altLang="en-US"/>
           </a:p>
@@ -3023,8 +3044,8 @@
         </p:nvSpPr>
         <p:spPr>
           <a:xfrm>
-            <a:off x="457200" y="274638"/>
-            <a:ext cx="8229600" cy="1143000"/>
+            <a:off x="609600" y="274638"/>
+            <a:ext cx="10972800" cy="1143000"/>
           </a:xfrm>
           <a:prstGeom prst="rect">
             <a:avLst/>
@@ -3056,8 +3077,8 @@
         </p:nvSpPr>
         <p:spPr>
           <a:xfrm>
-            <a:off x="457200" y="1600200"/>
-            <a:ext cx="8229600" cy="4525963"/>
+            <a:off x="609600" y="1600201"/>
+            <a:ext cx="10972800" cy="4525963"/>
           </a:xfrm>
           <a:prstGeom prst="rect">
             <a:avLst/>
@@ -3118,8 +3139,8 @@
         </p:nvSpPr>
         <p:spPr>
           <a:xfrm>
-            <a:off x="457200" y="6356350"/>
-            <a:ext cx="2133600" cy="365125"/>
+            <a:off x="609600" y="6356351"/>
+            <a:ext cx="2844800" cy="365125"/>
           </a:xfrm>
           <a:prstGeom prst="rect">
             <a:avLst/>
@@ -3142,7 +3163,7 @@
             <a:fld id="{E2276ED2-9D2C-4A5C-BC44-0832F88325FE}" type="datetimeFigureOut">
               <a:rPr lang="zh-TW" altLang="en-US" smtClean="0"/>
               <a:pPr/>
-              <a:t>2018/6/30</a:t>
+              <a:t>2020/8/8</a:t>
             </a:fld>
             <a:endParaRPr lang="zh-TW" altLang="en-US"/>
           </a:p>
@@ -3160,8 +3181,8 @@
         </p:nvSpPr>
         <p:spPr>
           <a:xfrm>
-            <a:off x="3124200" y="6356350"/>
-            <a:ext cx="2895600" cy="365125"/>
+            <a:off x="4165600" y="6356351"/>
+            <a:ext cx="3860800" cy="365125"/>
           </a:xfrm>
           <a:prstGeom prst="rect">
             <a:avLst/>
@@ -3197,8 +3218,8 @@
         </p:nvSpPr>
         <p:spPr>
           <a:xfrm>
-            <a:off x="6553200" y="6356350"/>
-            <a:ext cx="2133600" cy="365125"/>
+            <a:off x="8737600" y="6356351"/>
+            <a:ext cx="2844800" cy="365125"/>
           </a:xfrm>
           <a:prstGeom prst="rect">
             <a:avLst/>
@@ -3523,7 +3544,7 @@
         </p:nvSpPr>
         <p:spPr>
           <a:xfrm>
-            <a:off x="0" y="0"/>
+            <a:off x="1524000" y="0"/>
             <a:ext cx="9144000" cy="6858000"/>
           </a:xfrm>
           <a:prstGeom prst="rect">
@@ -3537,33 +3558,16 @@
           </a:bodyPr>
           <a:lstStyle/>
           <a:p>
-            <a:pPr marL="342900" marR="0" lvl="0" indent="-342900" algn="ctr" defTabSz="914400" rtl="0" eaLnBrk="1" fontAlgn="auto" latinLnBrk="0" hangingPunct="1">
-              <a:lnSpc>
-                <a:spcPct val="100000"/>
-              </a:lnSpc>
+            <a:pPr marL="342900" indent="-342900" algn="ctr">
               <a:spcBef>
                 <a:spcPct val="20000"/>
               </a:spcBef>
-              <a:spcAft>
-                <a:spcPts val="0"/>
-              </a:spcAft>
-              <a:buClrTx/>
-              <a:buSzTx/>
-              <a:buFont typeface="Arial" pitchFamily="34" charset="0"/>
-              <a:buNone/>
-              <a:tabLst/>
               <a:defRPr/>
             </a:pPr>
-            <a:endParaRPr kumimoji="0" lang="zh-TW" altLang="en-US" sz="5400" b="1" i="0" u="none" strike="noStrike" kern="1200" cap="none" spc="0" normalizeH="0" baseline="0" noProof="0" dirty="0">
-              <a:ln>
-                <a:noFill/>
-              </a:ln>
+            <a:endParaRPr lang="zh-TW" altLang="en-US" sz="5400" b="1" dirty="0">
               <a:solidFill>
                 <a:srgbClr val="660033"/>
               </a:solidFill>
-              <a:effectLst/>
-              <a:uLnTx/>
-              <a:uFillTx/>
               <a:latin typeface="微軟正黑體" pitchFamily="34" charset="-120"/>
               <a:ea typeface="微軟正黑體" pitchFamily="34" charset="-120"/>
             </a:endParaRPr>
@@ -3685,7 +3689,7 @@
               <a:t>求主領我向高處</a:t>
             </a:r>
             <a:r>
-              <a:rPr lang="zh-TW" altLang="en-US" sz="5400" b="1" dirty="0" smtClean="0">
+              <a:rPr lang="zh-TW" altLang="en-US" sz="5400" b="1" dirty="0">
                 <a:solidFill>
                   <a:srgbClr val="660033"/>
                 </a:solidFill>
@@ -3700,6 +3704,44 @@
               </a:solidFill>
               <a:latin typeface="微軟正黑體" pitchFamily="34" charset="-120"/>
               <a:ea typeface="微軟正黑體" pitchFamily="34" charset="-120"/>
+            </a:endParaRPr>
+          </a:p>
+        </p:txBody>
+      </p:sp>
+      <p:sp>
+        <p:nvSpPr>
+          <p:cNvPr id="2" name="TextBox 1"/>
+          <p:cNvSpPr txBox="1"/>
+          <p:nvPr/>
+        </p:nvSpPr>
+        <p:spPr>
+          <a:xfrm>
+            <a:off x="1091952" y="1692276"/>
+            <a:ext cx="864096" cy="923330"/>
+          </a:xfrm>
+          <a:prstGeom prst="rect">
+            <a:avLst/>
+          </a:prstGeom>
+          <a:noFill/>
+        </p:spPr>
+        <p:txBody>
+          <a:bodyPr wrap="square" rtlCol="0">
+            <a:spAutoFit/>
+          </a:bodyPr>
+          <a:lstStyle/>
+          <a:p>
+            <a:r>
+              <a:rPr lang="en-US" sz="5400" b="1" dirty="0" smtClean="0">
+                <a:solidFill>
+                  <a:srgbClr val="660033"/>
+                </a:solidFill>
+              </a:rPr>
+              <a:t>1.</a:t>
+            </a:r>
+            <a:endParaRPr lang="vi-VN" sz="5400" b="1" dirty="0">
+              <a:solidFill>
+                <a:srgbClr val="660033"/>
+              </a:solidFill>
             </a:endParaRPr>
           </a:p>
         </p:txBody>
@@ -3746,7 +3788,7 @@
         </p:nvSpPr>
         <p:spPr>
           <a:xfrm>
-            <a:off x="0" y="0"/>
+            <a:off x="1524000" y="0"/>
             <a:ext cx="9144000" cy="6858000"/>
           </a:xfrm>
           <a:prstGeom prst="rect">
@@ -3760,33 +3802,16 @@
           </a:bodyPr>
           <a:lstStyle/>
           <a:p>
-            <a:pPr marL="342900" marR="0" lvl="0" indent="-342900" algn="ctr" defTabSz="914400" rtl="0" eaLnBrk="1" fontAlgn="auto" latinLnBrk="0" hangingPunct="1">
-              <a:lnSpc>
-                <a:spcPct val="100000"/>
-              </a:lnSpc>
+            <a:pPr marL="342900" indent="-342900" algn="ctr">
               <a:spcBef>
                 <a:spcPct val="20000"/>
               </a:spcBef>
-              <a:spcAft>
-                <a:spcPts val="0"/>
-              </a:spcAft>
-              <a:buClrTx/>
-              <a:buSzTx/>
-              <a:buFont typeface="Arial" pitchFamily="34" charset="0"/>
-              <a:buNone/>
-              <a:tabLst/>
               <a:defRPr/>
             </a:pPr>
-            <a:endParaRPr kumimoji="0" lang="zh-TW" altLang="en-US" sz="5400" b="1" i="0" u="none" strike="noStrike" kern="1200" cap="none" spc="0" normalizeH="0" baseline="0" noProof="0" dirty="0">
-              <a:ln>
-                <a:noFill/>
-              </a:ln>
+            <a:endParaRPr lang="zh-TW" altLang="en-US" sz="5400" b="1" dirty="0">
               <a:solidFill>
                 <a:srgbClr val="660033"/>
               </a:solidFill>
-              <a:effectLst/>
-              <a:uLnTx/>
-              <a:uFillTx/>
               <a:latin typeface="微軟正黑體" pitchFamily="34" charset="-120"/>
               <a:ea typeface="微軟正黑體" pitchFamily="34" charset="-120"/>
             </a:endParaRPr>
@@ -3950,7 +3975,7 @@
         </p:nvSpPr>
         <p:spPr>
           <a:xfrm>
-            <a:off x="0" y="0"/>
+            <a:off x="1524000" y="0"/>
             <a:ext cx="9144000" cy="6858000"/>
           </a:xfrm>
           <a:prstGeom prst="rect">
@@ -3964,33 +3989,16 @@
           </a:bodyPr>
           <a:lstStyle/>
           <a:p>
-            <a:pPr marL="342900" marR="0" lvl="0" indent="-342900" algn="ctr" defTabSz="914400" rtl="0" eaLnBrk="1" fontAlgn="auto" latinLnBrk="0" hangingPunct="1">
-              <a:lnSpc>
-                <a:spcPct val="100000"/>
-              </a:lnSpc>
+            <a:pPr marL="342900" indent="-342900" algn="ctr">
               <a:spcBef>
                 <a:spcPct val="20000"/>
               </a:spcBef>
-              <a:spcAft>
-                <a:spcPts val="0"/>
-              </a:spcAft>
-              <a:buClrTx/>
-              <a:buSzTx/>
-              <a:buFont typeface="Arial" pitchFamily="34" charset="0"/>
-              <a:buNone/>
-              <a:tabLst/>
               <a:defRPr/>
             </a:pPr>
-            <a:endParaRPr kumimoji="0" lang="zh-TW" altLang="en-US" sz="5400" b="1" i="0" u="none" strike="noStrike" kern="1200" cap="none" spc="0" normalizeH="0" baseline="0" noProof="0" dirty="0">
-              <a:ln>
-                <a:noFill/>
-              </a:ln>
+            <a:endParaRPr lang="zh-TW" altLang="en-US" sz="5400" b="1" dirty="0">
               <a:solidFill>
                 <a:srgbClr val="660033"/>
               </a:solidFill>
-              <a:effectLst/>
-              <a:uLnTx/>
-              <a:uFillTx/>
               <a:latin typeface="微軟正黑體" pitchFamily="34" charset="-120"/>
               <a:ea typeface="微軟正黑體" pitchFamily="34" charset="-120"/>
             </a:endParaRPr>
@@ -4109,6 +4117,52 @@
               </a:rPr>
               <a:t>但我目注更美之地</a:t>
             </a:r>
+          </a:p>
+        </p:txBody>
+      </p:sp>
+      <p:sp>
+        <p:nvSpPr>
+          <p:cNvPr id="7" name="TextBox 6"/>
+          <p:cNvSpPr txBox="1"/>
+          <p:nvPr/>
+        </p:nvSpPr>
+        <p:spPr>
+          <a:xfrm>
+            <a:off x="1091952" y="1692276"/>
+            <a:ext cx="864096" cy="923330"/>
+          </a:xfrm>
+          <a:prstGeom prst="rect">
+            <a:avLst/>
+          </a:prstGeom>
+          <a:noFill/>
+        </p:spPr>
+        <p:txBody>
+          <a:bodyPr wrap="square" rtlCol="0">
+            <a:spAutoFit/>
+          </a:bodyPr>
+          <a:lstStyle/>
+          <a:p>
+            <a:r>
+              <a:rPr lang="en-US" sz="5400" b="1" dirty="0">
+                <a:solidFill>
+                  <a:srgbClr val="660033"/>
+                </a:solidFill>
+              </a:rPr>
+              <a:t>2</a:t>
+            </a:r>
+            <a:r>
+              <a:rPr lang="en-US" sz="5400" b="1" dirty="0" smtClean="0">
+                <a:solidFill>
+                  <a:srgbClr val="660033"/>
+                </a:solidFill>
+              </a:rPr>
+              <a:t>.</a:t>
+            </a:r>
+            <a:endParaRPr lang="vi-VN" sz="5400" b="1" dirty="0">
+              <a:solidFill>
+                <a:srgbClr val="660033"/>
+              </a:solidFill>
+            </a:endParaRPr>
           </a:p>
         </p:txBody>
       </p:sp>
@@ -4147,7 +4201,7 @@
         </p:nvSpPr>
         <p:spPr>
           <a:xfrm>
-            <a:off x="0" y="0"/>
+            <a:off x="1524000" y="0"/>
             <a:ext cx="9144000" cy="6858000"/>
           </a:xfrm>
           <a:prstGeom prst="rect">
@@ -4161,33 +4215,16 @@
           </a:bodyPr>
           <a:lstStyle/>
           <a:p>
-            <a:pPr marL="342900" marR="0" lvl="0" indent="-342900" algn="ctr" defTabSz="914400" rtl="0" eaLnBrk="1" fontAlgn="auto" latinLnBrk="0" hangingPunct="1">
-              <a:lnSpc>
-                <a:spcPct val="100000"/>
-              </a:lnSpc>
+            <a:pPr marL="342900" indent="-342900" algn="ctr">
               <a:spcBef>
                 <a:spcPct val="20000"/>
               </a:spcBef>
-              <a:spcAft>
-                <a:spcPts val="0"/>
-              </a:spcAft>
-              <a:buClrTx/>
-              <a:buSzTx/>
-              <a:buFont typeface="Arial" pitchFamily="34" charset="0"/>
-              <a:buNone/>
-              <a:tabLst/>
               <a:defRPr/>
             </a:pPr>
-            <a:endParaRPr kumimoji="0" lang="zh-TW" altLang="en-US" sz="5400" b="1" i="0" u="none" strike="noStrike" kern="1200" cap="none" spc="0" normalizeH="0" baseline="0" noProof="0" dirty="0">
-              <a:ln>
-                <a:noFill/>
-              </a:ln>
+            <a:endParaRPr lang="zh-TW" altLang="en-US" sz="5400" b="1" dirty="0">
               <a:solidFill>
                 <a:srgbClr val="660033"/>
               </a:solidFill>
-              <a:effectLst/>
-              <a:uLnTx/>
-              <a:uFillTx/>
               <a:latin typeface="微軟正黑體" pitchFamily="34" charset="-120"/>
               <a:ea typeface="微軟正黑體" pitchFamily="34" charset="-120"/>
             </a:endParaRPr>
@@ -4344,7 +4381,7 @@
         </p:nvSpPr>
         <p:spPr>
           <a:xfrm>
-            <a:off x="0" y="0"/>
+            <a:off x="1524000" y="0"/>
             <a:ext cx="9144000" cy="6858000"/>
           </a:xfrm>
           <a:prstGeom prst="rect">
@@ -4358,33 +4395,16 @@
           </a:bodyPr>
           <a:lstStyle/>
           <a:p>
-            <a:pPr marL="342900" marR="0" lvl="0" indent="-342900" algn="ctr" defTabSz="914400" rtl="0" eaLnBrk="1" fontAlgn="auto" latinLnBrk="0" hangingPunct="1">
-              <a:lnSpc>
-                <a:spcPct val="100000"/>
-              </a:lnSpc>
+            <a:pPr marL="342900" indent="-342900" algn="ctr">
               <a:spcBef>
                 <a:spcPct val="20000"/>
               </a:spcBef>
-              <a:spcAft>
-                <a:spcPts val="0"/>
-              </a:spcAft>
-              <a:buClrTx/>
-              <a:buSzTx/>
-              <a:buFont typeface="Arial" pitchFamily="34" charset="0"/>
-              <a:buNone/>
-              <a:tabLst/>
               <a:defRPr/>
             </a:pPr>
-            <a:endParaRPr kumimoji="0" lang="zh-TW" altLang="en-US" sz="5400" b="1" i="0" u="none" strike="noStrike" kern="1200" cap="none" spc="0" normalizeH="0" baseline="0" noProof="0" dirty="0">
-              <a:ln>
-                <a:noFill/>
-              </a:ln>
+            <a:endParaRPr lang="zh-TW" altLang="en-US" sz="5400" b="1" dirty="0">
               <a:solidFill>
                 <a:srgbClr val="660033"/>
               </a:solidFill>
-              <a:effectLst/>
-              <a:uLnTx/>
-              <a:uFillTx/>
               <a:latin typeface="微軟正黑體" pitchFamily="34" charset="-120"/>
               <a:ea typeface="微軟正黑體" pitchFamily="34" charset="-120"/>
             </a:endParaRPr>
@@ -4503,6 +4523,52 @@
               </a:rPr>
               <a:t>妙音佳調使我快樂</a:t>
             </a:r>
+          </a:p>
+        </p:txBody>
+      </p:sp>
+      <p:sp>
+        <p:nvSpPr>
+          <p:cNvPr id="7" name="TextBox 6"/>
+          <p:cNvSpPr txBox="1"/>
+          <p:nvPr/>
+        </p:nvSpPr>
+        <p:spPr>
+          <a:xfrm>
+            <a:off x="1091952" y="1692276"/>
+            <a:ext cx="864096" cy="923330"/>
+          </a:xfrm>
+          <a:prstGeom prst="rect">
+            <a:avLst/>
+          </a:prstGeom>
+          <a:noFill/>
+        </p:spPr>
+        <p:txBody>
+          <a:bodyPr wrap="square" rtlCol="0">
+            <a:spAutoFit/>
+          </a:bodyPr>
+          <a:lstStyle/>
+          <a:p>
+            <a:r>
+              <a:rPr lang="en-US" sz="5400" b="1" dirty="0">
+                <a:solidFill>
+                  <a:srgbClr val="660033"/>
+                </a:solidFill>
+              </a:rPr>
+              <a:t>3</a:t>
+            </a:r>
+            <a:r>
+              <a:rPr lang="en-US" sz="5400" b="1" dirty="0" smtClean="0">
+                <a:solidFill>
+                  <a:srgbClr val="660033"/>
+                </a:solidFill>
+              </a:rPr>
+              <a:t>.</a:t>
+            </a:r>
+            <a:endParaRPr lang="vi-VN" sz="5400" b="1" dirty="0">
+              <a:solidFill>
+                <a:srgbClr val="660033"/>
+              </a:solidFill>
+            </a:endParaRPr>
           </a:p>
         </p:txBody>
       </p:sp>
@@ -4541,7 +4607,7 @@
         </p:nvSpPr>
         <p:spPr>
           <a:xfrm>
-            <a:off x="0" y="0"/>
+            <a:off x="1524000" y="0"/>
             <a:ext cx="9144000" cy="6858000"/>
           </a:xfrm>
           <a:prstGeom prst="rect">
@@ -4555,33 +4621,16 @@
           </a:bodyPr>
           <a:lstStyle/>
           <a:p>
-            <a:pPr marL="342900" marR="0" lvl="0" indent="-342900" algn="ctr" defTabSz="914400" rtl="0" eaLnBrk="1" fontAlgn="auto" latinLnBrk="0" hangingPunct="1">
-              <a:lnSpc>
-                <a:spcPct val="100000"/>
-              </a:lnSpc>
+            <a:pPr marL="342900" indent="-342900" algn="ctr">
               <a:spcBef>
                 <a:spcPct val="20000"/>
               </a:spcBef>
-              <a:spcAft>
-                <a:spcPts val="0"/>
-              </a:spcAft>
-              <a:buClrTx/>
-              <a:buSzTx/>
-              <a:buFont typeface="Arial" pitchFamily="34" charset="0"/>
-              <a:buNone/>
-              <a:tabLst/>
               <a:defRPr/>
             </a:pPr>
-            <a:endParaRPr kumimoji="0" lang="zh-TW" altLang="en-US" sz="5400" b="1" i="0" u="none" strike="noStrike" kern="1200" cap="none" spc="0" normalizeH="0" baseline="0" noProof="0" dirty="0">
-              <a:ln>
-                <a:noFill/>
-              </a:ln>
+            <a:endParaRPr lang="zh-TW" altLang="en-US" sz="5400" b="1" dirty="0">
               <a:solidFill>
                 <a:srgbClr val="660033"/>
               </a:solidFill>
-              <a:effectLst/>
-              <a:uLnTx/>
-              <a:uFillTx/>
               <a:latin typeface="微軟正黑體" pitchFamily="34" charset="-120"/>
               <a:ea typeface="微軟正黑體" pitchFamily="34" charset="-120"/>
             </a:endParaRPr>
@@ -4738,7 +4787,7 @@
         </p:nvSpPr>
         <p:spPr>
           <a:xfrm>
-            <a:off x="0" y="0"/>
+            <a:off x="1524000" y="0"/>
             <a:ext cx="9144000" cy="6858000"/>
           </a:xfrm>
           <a:prstGeom prst="rect">
@@ -4752,33 +4801,16 @@
           </a:bodyPr>
           <a:lstStyle/>
           <a:p>
-            <a:pPr marL="342900" marR="0" lvl="0" indent="-342900" algn="ctr" defTabSz="914400" rtl="0" eaLnBrk="1" fontAlgn="auto" latinLnBrk="0" hangingPunct="1">
-              <a:lnSpc>
-                <a:spcPct val="100000"/>
-              </a:lnSpc>
+            <a:pPr marL="342900" indent="-342900" algn="ctr">
               <a:spcBef>
                 <a:spcPct val="20000"/>
               </a:spcBef>
-              <a:spcAft>
-                <a:spcPts val="0"/>
-              </a:spcAft>
-              <a:buClrTx/>
-              <a:buSzTx/>
-              <a:buFont typeface="Arial" pitchFamily="34" charset="0"/>
-              <a:buNone/>
-              <a:tabLst/>
               <a:defRPr/>
             </a:pPr>
-            <a:endParaRPr kumimoji="0" lang="zh-TW" altLang="en-US" sz="5400" b="1" i="0" u="none" strike="noStrike" kern="1200" cap="none" spc="0" normalizeH="0" baseline="0" noProof="0" dirty="0">
-              <a:ln>
-                <a:noFill/>
-              </a:ln>
+            <a:endParaRPr lang="zh-TW" altLang="en-US" sz="5400" b="1" dirty="0">
               <a:solidFill>
                 <a:srgbClr val="660033"/>
               </a:solidFill>
-              <a:effectLst/>
-              <a:uLnTx/>
-              <a:uFillTx/>
               <a:latin typeface="微軟正黑體" pitchFamily="34" charset="-120"/>
               <a:ea typeface="微軟正黑體" pitchFamily="34" charset="-120"/>
             </a:endParaRPr>
@@ -4897,6 +4929,52 @@
               </a:rPr>
               <a:t>求主領我向高處行</a:t>
             </a:r>
+          </a:p>
+        </p:txBody>
+      </p:sp>
+      <p:sp>
+        <p:nvSpPr>
+          <p:cNvPr id="7" name="TextBox 6"/>
+          <p:cNvSpPr txBox="1"/>
+          <p:nvPr/>
+        </p:nvSpPr>
+        <p:spPr>
+          <a:xfrm>
+            <a:off x="1091952" y="1692276"/>
+            <a:ext cx="864096" cy="923330"/>
+          </a:xfrm>
+          <a:prstGeom prst="rect">
+            <a:avLst/>
+          </a:prstGeom>
+          <a:noFill/>
+        </p:spPr>
+        <p:txBody>
+          <a:bodyPr wrap="square" rtlCol="0">
+            <a:spAutoFit/>
+          </a:bodyPr>
+          <a:lstStyle/>
+          <a:p>
+            <a:r>
+              <a:rPr lang="en-US" sz="5400" b="1" dirty="0">
+                <a:solidFill>
+                  <a:srgbClr val="660033"/>
+                </a:solidFill>
+              </a:rPr>
+              <a:t>4</a:t>
+            </a:r>
+            <a:r>
+              <a:rPr lang="en-US" sz="5400" b="1" dirty="0" smtClean="0">
+                <a:solidFill>
+                  <a:srgbClr val="660033"/>
+                </a:solidFill>
+              </a:rPr>
+              <a:t>.</a:t>
+            </a:r>
+            <a:endParaRPr lang="vi-VN" sz="5400" b="1" dirty="0">
+              <a:solidFill>
+                <a:srgbClr val="660033"/>
+              </a:solidFill>
+            </a:endParaRPr>
           </a:p>
         </p:txBody>
       </p:sp>
@@ -4935,7 +5013,7 @@
         </p:nvSpPr>
         <p:spPr>
           <a:xfrm>
-            <a:off x="0" y="0"/>
+            <a:off x="1524000" y="0"/>
             <a:ext cx="9144000" cy="6858000"/>
           </a:xfrm>
           <a:prstGeom prst="rect">
@@ -4949,33 +5027,16 @@
           </a:bodyPr>
           <a:lstStyle/>
           <a:p>
-            <a:pPr marL="342900" marR="0" lvl="0" indent="-342900" algn="ctr" defTabSz="914400" rtl="0" eaLnBrk="1" fontAlgn="auto" latinLnBrk="0" hangingPunct="1">
-              <a:lnSpc>
-                <a:spcPct val="100000"/>
-              </a:lnSpc>
+            <a:pPr marL="342900" indent="-342900" algn="ctr">
               <a:spcBef>
                 <a:spcPct val="20000"/>
               </a:spcBef>
-              <a:spcAft>
-                <a:spcPts val="0"/>
-              </a:spcAft>
-              <a:buClrTx/>
-              <a:buSzTx/>
-              <a:buFont typeface="Arial" pitchFamily="34" charset="0"/>
-              <a:buNone/>
-              <a:tabLst/>
               <a:defRPr/>
             </a:pPr>
-            <a:endParaRPr kumimoji="0" lang="zh-TW" altLang="en-US" sz="5400" b="1" i="0" u="none" strike="noStrike" kern="1200" cap="none" spc="0" normalizeH="0" baseline="0" noProof="0" dirty="0">
-              <a:ln>
-                <a:noFill/>
-              </a:ln>
+            <a:endParaRPr lang="zh-TW" altLang="en-US" sz="5400" b="1" dirty="0">
               <a:solidFill>
                 <a:srgbClr val="660033"/>
               </a:solidFill>
-              <a:effectLst/>
-              <a:uLnTx/>
-              <a:uFillTx/>
               <a:latin typeface="微軟正黑體" pitchFamily="34" charset="-120"/>
               <a:ea typeface="微軟正黑體" pitchFamily="34" charset="-120"/>
             </a:endParaRPr>

--- a/宣道詩/(宣道詩94)向高處行.pptx
+++ b/宣道詩/(宣道詩94)向高處行.pptx
@@ -5,17 +5,26 @@
     <p:sldMasterId id="2147483660" r:id="rId1"/>
   </p:sldMasterIdLst>
   <p:notesMasterIdLst>
-    <p:notesMasterId r:id="rId10"/>
+    <p:notesMasterId r:id="rId19"/>
   </p:notesMasterIdLst>
   <p:sldIdLst>
-    <p:sldId id="256" r:id="rId2"/>
-    <p:sldId id="257" r:id="rId3"/>
-    <p:sldId id="258" r:id="rId4"/>
-    <p:sldId id="261" r:id="rId5"/>
-    <p:sldId id="259" r:id="rId6"/>
-    <p:sldId id="262" r:id="rId7"/>
-    <p:sldId id="263" r:id="rId8"/>
-    <p:sldId id="264" r:id="rId9"/>
+    <p:sldId id="265" r:id="rId2"/>
+    <p:sldId id="266" r:id="rId3"/>
+    <p:sldId id="267" r:id="rId4"/>
+    <p:sldId id="268" r:id="rId5"/>
+    <p:sldId id="269" r:id="rId6"/>
+    <p:sldId id="270" r:id="rId7"/>
+    <p:sldId id="271" r:id="rId8"/>
+    <p:sldId id="272" r:id="rId9"/>
+    <p:sldId id="273" r:id="rId10"/>
+    <p:sldId id="274" r:id="rId11"/>
+    <p:sldId id="275" r:id="rId12"/>
+    <p:sldId id="276" r:id="rId13"/>
+    <p:sldId id="277" r:id="rId14"/>
+    <p:sldId id="278" r:id="rId15"/>
+    <p:sldId id="279" r:id="rId16"/>
+    <p:sldId id="280" r:id="rId17"/>
+    <p:sldId id="281" r:id="rId18"/>
   </p:sldIdLst>
   <p:sldSz cx="12192000" cy="6858000"/>
   <p:notesSz cx="6858000" cy="9144000"/>
@@ -216,7 +225,7 @@
             <a:fld id="{8C31C84E-3203-4D37-9A3B-E58CC3E17B5D}" type="datetimeFigureOut">
               <a:rPr lang="zh-TW" altLang="en-US" smtClean="0"/>
               <a:pPr/>
-              <a:t>2020/8/8</a:t>
+              <a:t>2022/1/1</a:t>
             </a:fld>
             <a:endParaRPr lang="zh-TW" altLang="en-US"/>
           </a:p>
@@ -482,97 +491,6 @@
 </p:notesMaster>
 </file>
 
-<file path=ppt/notesSlides/notesSlide1.xml><?xml version="1.0" encoding="utf-8"?>
-<p:notes xmlns:a="http://schemas.openxmlformats.org/drawingml/2006/main" xmlns:r="http://schemas.openxmlformats.org/officeDocument/2006/relationships" xmlns:p="http://schemas.openxmlformats.org/presentationml/2006/main">
-  <p:cSld>
-    <p:spTree>
-      <p:nvGrpSpPr>
-        <p:cNvPr id="1" name=""/>
-        <p:cNvGrpSpPr/>
-        <p:nvPr/>
-      </p:nvGrpSpPr>
-      <p:grpSpPr>
-        <a:xfrm>
-          <a:off x="0" y="0"/>
-          <a:ext cx="0" cy="0"/>
-          <a:chOff x="0" y="0"/>
-          <a:chExt cx="0" cy="0"/>
-        </a:xfrm>
-      </p:grpSpPr>
-      <p:sp>
-        <p:nvSpPr>
-          <p:cNvPr id="2" name="投影片圖像版面配置區 1"/>
-          <p:cNvSpPr>
-            <a:spLocks noGrp="1" noRot="1" noChangeAspect="1"/>
-          </p:cNvSpPr>
-          <p:nvPr>
-            <p:ph type="sldImg"/>
-          </p:nvPr>
-        </p:nvSpPr>
-        <p:spPr>
-          <a:xfrm>
-            <a:off x="381000" y="685800"/>
-            <a:ext cx="6096000" cy="3429000"/>
-          </a:xfrm>
-        </p:spPr>
-      </p:sp>
-      <p:sp>
-        <p:nvSpPr>
-          <p:cNvPr id="3" name="備忘稿版面配置區 2"/>
-          <p:cNvSpPr>
-            <a:spLocks noGrp="1"/>
-          </p:cNvSpPr>
-          <p:nvPr>
-            <p:ph type="body" idx="1"/>
-          </p:nvPr>
-        </p:nvSpPr>
-        <p:spPr/>
-        <p:txBody>
-          <a:bodyPr>
-            <a:normAutofit/>
-          </a:bodyPr>
-          <a:lstStyle/>
-          <a:p>
-            <a:r>
-              <a:rPr lang="en-US" altLang="zh-TW" dirty="0" err="1" smtClean="0"/>
-              <a:t>dfasd</a:t>
-            </a:r>
-            <a:endParaRPr lang="zh-TW" altLang="en-US" dirty="0"/>
-          </a:p>
-        </p:txBody>
-      </p:sp>
-      <p:sp>
-        <p:nvSpPr>
-          <p:cNvPr id="4" name="投影片編號版面配置區 3"/>
-          <p:cNvSpPr>
-            <a:spLocks noGrp="1"/>
-          </p:cNvSpPr>
-          <p:nvPr>
-            <p:ph type="sldNum" sz="quarter" idx="10"/>
-          </p:nvPr>
-        </p:nvSpPr>
-        <p:spPr/>
-        <p:txBody>
-          <a:bodyPr/>
-          <a:lstStyle/>
-          <a:p>
-            <a:fld id="{85685FE5-0156-4F81-B189-CE3811A80F08}" type="slidenum">
-              <a:rPr lang="zh-TW" altLang="en-US" smtClean="0"/>
-              <a:pPr/>
-              <a:t>1</a:t>
-            </a:fld>
-            <a:endParaRPr lang="zh-TW" altLang="en-US"/>
-          </a:p>
-        </p:txBody>
-      </p:sp>
-    </p:spTree>
-  </p:cSld>
-  <p:clrMapOvr>
-    <a:masterClrMapping/>
-  </p:clrMapOvr>
-</p:notes>
-</file>
-
 <file path=ppt/slideLayouts/slideLayout1.xml><?xml version="1.0" encoding="utf-8"?>
 <p:sldLayout xmlns:a="http://schemas.openxmlformats.org/drawingml/2006/main" xmlns:r="http://schemas.openxmlformats.org/officeDocument/2006/relationships" xmlns:p="http://schemas.openxmlformats.org/presentationml/2006/main" type="title" preserve="1">
   <p:cSld name="標題投影片">
@@ -755,7 +673,7 @@
             <a:fld id="{E2276ED2-9D2C-4A5C-BC44-0832F88325FE}" type="datetimeFigureOut">
               <a:rPr lang="zh-TW" altLang="en-US" smtClean="0"/>
               <a:pPr/>
-              <a:t>2020/8/8</a:t>
+              <a:t>2022/1/1</a:t>
             </a:fld>
             <a:endParaRPr lang="zh-TW" altLang="en-US"/>
           </a:p>
@@ -922,7 +840,7 @@
             <a:fld id="{E2276ED2-9D2C-4A5C-BC44-0832F88325FE}" type="datetimeFigureOut">
               <a:rPr lang="zh-TW" altLang="en-US" smtClean="0"/>
               <a:pPr/>
-              <a:t>2020/8/8</a:t>
+              <a:t>2022/1/1</a:t>
             </a:fld>
             <a:endParaRPr lang="zh-TW" altLang="en-US"/>
           </a:p>
@@ -1099,7 +1017,7 @@
             <a:fld id="{E2276ED2-9D2C-4A5C-BC44-0832F88325FE}" type="datetimeFigureOut">
               <a:rPr lang="zh-TW" altLang="en-US" smtClean="0"/>
               <a:pPr/>
-              <a:t>2020/8/8</a:t>
+              <a:t>2022/1/1</a:t>
             </a:fld>
             <a:endParaRPr lang="zh-TW" altLang="en-US"/>
           </a:p>
@@ -1266,7 +1184,7 @@
             <a:fld id="{E2276ED2-9D2C-4A5C-BC44-0832F88325FE}" type="datetimeFigureOut">
               <a:rPr lang="zh-TW" altLang="en-US" smtClean="0"/>
               <a:pPr/>
-              <a:t>2020/8/8</a:t>
+              <a:t>2022/1/1</a:t>
             </a:fld>
             <a:endParaRPr lang="zh-TW" altLang="en-US"/>
           </a:p>
@@ -1509,7 +1427,7 @@
             <a:fld id="{E2276ED2-9D2C-4A5C-BC44-0832F88325FE}" type="datetimeFigureOut">
               <a:rPr lang="zh-TW" altLang="en-US" smtClean="0"/>
               <a:pPr/>
-              <a:t>2020/8/8</a:t>
+              <a:t>2022/1/1</a:t>
             </a:fld>
             <a:endParaRPr lang="zh-TW" altLang="en-US"/>
           </a:p>
@@ -1794,7 +1712,7 @@
             <a:fld id="{E2276ED2-9D2C-4A5C-BC44-0832F88325FE}" type="datetimeFigureOut">
               <a:rPr lang="zh-TW" altLang="en-US" smtClean="0"/>
               <a:pPr/>
-              <a:t>2020/8/8</a:t>
+              <a:t>2022/1/1</a:t>
             </a:fld>
             <a:endParaRPr lang="zh-TW" altLang="en-US"/>
           </a:p>
@@ -2213,7 +2131,7 @@
             <a:fld id="{E2276ED2-9D2C-4A5C-BC44-0832F88325FE}" type="datetimeFigureOut">
               <a:rPr lang="zh-TW" altLang="en-US" smtClean="0"/>
               <a:pPr/>
-              <a:t>2020/8/8</a:t>
+              <a:t>2022/1/1</a:t>
             </a:fld>
             <a:endParaRPr lang="zh-TW" altLang="en-US"/>
           </a:p>
@@ -2328,7 +2246,7 @@
             <a:fld id="{E2276ED2-9D2C-4A5C-BC44-0832F88325FE}" type="datetimeFigureOut">
               <a:rPr lang="zh-TW" altLang="en-US" smtClean="0"/>
               <a:pPr/>
-              <a:t>2020/8/8</a:t>
+              <a:t>2022/1/1</a:t>
             </a:fld>
             <a:endParaRPr lang="zh-TW" altLang="en-US"/>
           </a:p>
@@ -2420,7 +2338,7 @@
             <a:fld id="{E2276ED2-9D2C-4A5C-BC44-0832F88325FE}" type="datetimeFigureOut">
               <a:rPr lang="zh-TW" altLang="en-US" smtClean="0"/>
               <a:pPr/>
-              <a:t>2020/8/8</a:t>
+              <a:t>2022/1/1</a:t>
             </a:fld>
             <a:endParaRPr lang="zh-TW" altLang="en-US"/>
           </a:p>
@@ -2694,7 +2612,7 @@
             <a:fld id="{E2276ED2-9D2C-4A5C-BC44-0832F88325FE}" type="datetimeFigureOut">
               <a:rPr lang="zh-TW" altLang="en-US" smtClean="0"/>
               <a:pPr/>
-              <a:t>2020/8/8</a:t>
+              <a:t>2022/1/1</a:t>
             </a:fld>
             <a:endParaRPr lang="zh-TW" altLang="en-US"/>
           </a:p>
@@ -2948,7 +2866,7 @@
             <a:fld id="{E2276ED2-9D2C-4A5C-BC44-0832F88325FE}" type="datetimeFigureOut">
               <a:rPr lang="zh-TW" altLang="en-US" smtClean="0"/>
               <a:pPr/>
-              <a:t>2020/8/8</a:t>
+              <a:t>2022/1/1</a:t>
             </a:fld>
             <a:endParaRPr lang="zh-TW" altLang="en-US"/>
           </a:p>
@@ -3163,7 +3081,7 @@
             <a:fld id="{E2276ED2-9D2C-4A5C-BC44-0832F88325FE}" type="datetimeFigureOut">
               <a:rPr lang="zh-TW" altLang="en-US" smtClean="0"/>
               <a:pPr/>
-              <a:t>2020/8/8</a:t>
+              <a:t>2022/1/1</a:t>
             </a:fld>
             <a:endParaRPr lang="zh-TW" altLang="en-US"/>
           </a:p>
@@ -3536,16 +3454,237 @@
       </p:grpSpPr>
       <p:sp>
         <p:nvSpPr>
-          <p:cNvPr id="8" name="內容版面配置區 4"/>
-          <p:cNvSpPr txBox="1">
-            <a:spLocks/>
-          </p:cNvSpPr>
-          <p:nvPr/>
+          <p:cNvPr id="4" name="標題 3"/>
+          <p:cNvSpPr>
+            <a:spLocks noGrp="1"/>
+          </p:cNvSpPr>
+          <p:nvPr>
+            <p:ph type="title"/>
+          </p:nvPr>
         </p:nvSpPr>
         <p:spPr>
           <a:xfrm>
-            <a:off x="1524000" y="0"/>
-            <a:ext cx="9144000" cy="6858000"/>
+            <a:off x="0" y="2756925"/>
+            <a:ext cx="12192000" cy="1143000"/>
+          </a:xfrm>
+        </p:spPr>
+        <p:txBody>
+          <a:bodyPr>
+            <a:noAutofit/>
+          </a:bodyPr>
+          <a:lstStyle/>
+          <a:p>
+            <a:r>
+              <a:rPr lang="zh-CN" altLang="en-US" sz="5333" b="1" u="sng" dirty="0">
+                <a:solidFill>
+                  <a:srgbClr val="000066"/>
+                </a:solidFill>
+                <a:effectLst>
+                  <a:outerShdw blurRad="38100" dist="38100" dir="2700000" algn="tl">
+                    <a:srgbClr val="000000">
+                      <a:alpha val="43137"/>
+                    </a:srgbClr>
+                  </a:outerShdw>
+                </a:effectLst>
+                <a:latin typeface="微軟正黑體" pitchFamily="34" charset="-120"/>
+                <a:ea typeface="微軟正黑體" pitchFamily="34" charset="-120"/>
+              </a:rPr>
+              <a:t>宣道詩 </a:t>
+            </a:r>
+            <a:r>
+              <a:rPr lang="en-US" altLang="zh-CN" sz="5333" b="1" u="sng" dirty="0">
+                <a:solidFill>
+                  <a:srgbClr val="000066"/>
+                </a:solidFill>
+                <a:effectLst>
+                  <a:outerShdw blurRad="38100" dist="38100" dir="2700000" algn="tl">
+                    <a:srgbClr val="000000">
+                      <a:alpha val="43137"/>
+                    </a:srgbClr>
+                  </a:outerShdw>
+                </a:effectLst>
+                <a:latin typeface="微軟正黑體" pitchFamily="34" charset="-120"/>
+                <a:ea typeface="微軟正黑體" pitchFamily="34" charset="-120"/>
+              </a:rPr>
+              <a:t>94</a:t>
+            </a:r>
+            <a:r>
+              <a:rPr lang="en-US" altLang="zh-CN" sz="7200" b="1" i="1" dirty="0">
+                <a:solidFill>
+                  <a:schemeClr val="bg1"/>
+                </a:solidFill>
+                <a:effectLst>
+                  <a:outerShdw blurRad="38100" dist="38100" dir="2700000" algn="tl">
+                    <a:srgbClr val="000000">
+                      <a:alpha val="43137"/>
+                    </a:srgbClr>
+                  </a:outerShdw>
+                </a:effectLst>
+                <a:latin typeface="微軟正黑體" pitchFamily="34" charset="-120"/>
+                <a:ea typeface="微軟正黑體" pitchFamily="34" charset="-120"/>
+              </a:rPr>
+              <a:t/>
+            </a:r>
+            <a:br>
+              <a:rPr lang="en-US" altLang="zh-CN" sz="7200" b="1" i="1" dirty="0">
+                <a:solidFill>
+                  <a:schemeClr val="bg1"/>
+                </a:solidFill>
+                <a:effectLst>
+                  <a:outerShdw blurRad="38100" dist="38100" dir="2700000" algn="tl">
+                    <a:srgbClr val="000000">
+                      <a:alpha val="43137"/>
+                    </a:srgbClr>
+                  </a:outerShdw>
+                </a:effectLst>
+                <a:latin typeface="微軟正黑體" pitchFamily="34" charset="-120"/>
+                <a:ea typeface="微軟正黑體" pitchFamily="34" charset="-120"/>
+              </a:rPr>
+            </a:br>
+            <a:r>
+              <a:rPr lang="zh-TW" altLang="en-US" sz="8000" b="1" dirty="0">
+                <a:solidFill>
+                  <a:srgbClr val="660033"/>
+                </a:solidFill>
+                <a:effectLst>
+                  <a:outerShdw blurRad="38100" dist="38100" dir="2700000" algn="tl">
+                    <a:srgbClr val="000000">
+                      <a:alpha val="43137"/>
+                    </a:srgbClr>
+                  </a:outerShdw>
+                </a:effectLst>
+                <a:latin typeface="微軟正黑體" pitchFamily="34" charset="-120"/>
+                <a:ea typeface="微軟正黑體" pitchFamily="34" charset="-120"/>
+              </a:rPr>
+              <a:t>向</a:t>
+            </a:r>
+            <a:r>
+              <a:rPr lang="zh-TW" altLang="en-US" sz="8000" b="1" dirty="0">
+                <a:solidFill>
+                  <a:srgbClr val="660033"/>
+                </a:solidFill>
+                <a:effectLst>
+                  <a:outerShdw blurRad="38100" dist="38100" dir="2700000" algn="tl">
+                    <a:srgbClr val="000000">
+                      <a:alpha val="43137"/>
+                    </a:srgbClr>
+                  </a:outerShdw>
+                </a:effectLst>
+                <a:latin typeface="微軟正黑體" pitchFamily="34" charset="-120"/>
+                <a:ea typeface="微軟正黑體" pitchFamily="34" charset="-120"/>
+              </a:rPr>
+              <a:t>高處行</a:t>
+            </a:r>
+          </a:p>
+        </p:txBody>
+      </p:sp>
+    </p:spTree>
+    <p:extLst>
+      <p:ext uri="{BB962C8B-B14F-4D97-AF65-F5344CB8AC3E}">
+        <p14:creationId xmlns:p14="http://schemas.microsoft.com/office/powerpoint/2010/main" val="2653145033"/>
+      </p:ext>
+    </p:extLst>
+  </p:cSld>
+  <p:clrMapOvr>
+    <a:masterClrMapping/>
+  </p:clrMapOvr>
+  <p:timing>
+    <p:tnLst>
+      <p:par>
+        <p:cTn id="1" dur="indefinite" restart="never" nodeType="tmRoot"/>
+      </p:par>
+    </p:tnLst>
+  </p:timing>
+</p:sld>
+</file>
+
+<file path=ppt/slides/slide10.xml><?xml version="1.0" encoding="utf-8"?>
+<p:sld xmlns:a="http://schemas.openxmlformats.org/drawingml/2006/main" xmlns:r="http://schemas.openxmlformats.org/officeDocument/2006/relationships" xmlns:p="http://schemas.openxmlformats.org/presentationml/2006/main">
+  <p:cSld>
+    <p:spTree>
+      <p:nvGrpSpPr>
+        <p:cNvPr id="1" name=""/>
+        <p:cNvGrpSpPr/>
+        <p:nvPr/>
+      </p:nvGrpSpPr>
+      <p:grpSpPr>
+        <a:xfrm>
+          <a:off x="0" y="0"/>
+          <a:ext cx="0" cy="0"/>
+          <a:chOff x="0" y="0"/>
+          <a:chExt cx="0" cy="0"/>
+        </a:xfrm>
+      </p:grpSpPr>
+      <p:sp>
+        <p:nvSpPr>
+          <p:cNvPr id="5" name="內容版面配置區 4"/>
+          <p:cNvSpPr>
+            <a:spLocks noGrp="1"/>
+          </p:cNvSpPr>
+          <p:nvPr>
+            <p:ph idx="1"/>
+          </p:nvPr>
+        </p:nvSpPr>
+        <p:spPr>
+          <a:xfrm>
+            <a:off x="0" y="2084851"/>
+            <a:ext cx="12192000" cy="2404863"/>
+          </a:xfrm>
+        </p:spPr>
+        <p:txBody>
+          <a:bodyPr anchor="ctr">
+            <a:normAutofit/>
+          </a:bodyPr>
+          <a:lstStyle/>
+          <a:p>
+            <a:pPr algn="ctr">
+              <a:buNone/>
+            </a:pPr>
+            <a:r>
+              <a:rPr lang="zh-TW" altLang="en-US" sz="6400" b="1" dirty="0">
+                <a:solidFill>
+                  <a:srgbClr val="660033"/>
+                </a:solidFill>
+                <a:latin typeface="微軟正黑體" pitchFamily="34" charset="-120"/>
+                <a:ea typeface="微軟正黑體" pitchFamily="34" charset="-120"/>
+              </a:rPr>
+              <a:t>我願離開屬世行為</a:t>
+            </a:r>
+          </a:p>
+          <a:p>
+            <a:pPr algn="ctr">
+              <a:buNone/>
+            </a:pPr>
+            <a:r>
+              <a:rPr lang="zh-TW" altLang="en-US" sz="6400" b="1" dirty="0">
+                <a:solidFill>
+                  <a:srgbClr val="660033"/>
+                </a:solidFill>
+                <a:latin typeface="微軟正黑體" pitchFamily="34" charset="-120"/>
+                <a:ea typeface="微軟正黑體" pitchFamily="34" charset="-120"/>
+              </a:rPr>
+              <a:t>魔鬼利劍非我所畏</a:t>
+            </a:r>
+            <a:endParaRPr lang="zh-TW" altLang="en-US" sz="6400" b="1" dirty="0">
+              <a:solidFill>
+                <a:srgbClr val="660033"/>
+              </a:solidFill>
+              <a:latin typeface="微軟正黑體" pitchFamily="34" charset="-120"/>
+              <a:ea typeface="微軟正黑體" pitchFamily="34" charset="-120"/>
+            </a:endParaRPr>
+          </a:p>
+        </p:txBody>
+      </p:sp>
+      <p:sp>
+        <p:nvSpPr>
+          <p:cNvPr id="3" name="TextBox 2"/>
+          <p:cNvSpPr txBox="1"/>
+          <p:nvPr/>
+        </p:nvSpPr>
+        <p:spPr>
+          <a:xfrm>
+            <a:off x="0" y="5061182"/>
+            <a:ext cx="12192000" cy="830997"/>
           </a:xfrm>
           <a:prstGeom prst="rect">
             <a:avLst/>
@@ -3553,18 +3692,118 @@
           <a:noFill/>
         </p:spPr>
         <p:txBody>
-          <a:bodyPr vert="horz" lIns="91440" tIns="45720" rIns="91440" bIns="45720" rtlCol="0">
+          <a:bodyPr wrap="square" rtlCol="0">
+            <a:spAutoFit/>
+          </a:bodyPr>
+          <a:lstStyle/>
+          <a:p>
+            <a:pPr algn="ctr"/>
+            <a:r>
+              <a:rPr lang="en-US" sz="4800" b="1" dirty="0">
+                <a:solidFill>
+                  <a:srgbClr val="660033"/>
+                </a:solidFill>
+                <a:effectLst/>
+              </a:rPr>
+              <a:t>( 3 )</a:t>
+            </a:r>
+            <a:endParaRPr lang="vi-VN" sz="4800" b="1" dirty="0">
+              <a:solidFill>
+                <a:srgbClr val="660033"/>
+              </a:solidFill>
+              <a:effectLst/>
+            </a:endParaRPr>
+          </a:p>
+        </p:txBody>
+      </p:sp>
+    </p:spTree>
+    <p:extLst>
+      <p:ext uri="{BB962C8B-B14F-4D97-AF65-F5344CB8AC3E}">
+        <p14:creationId xmlns:p14="http://schemas.microsoft.com/office/powerpoint/2010/main" val="1331557429"/>
+      </p:ext>
+    </p:extLst>
+  </p:cSld>
+  <p:clrMapOvr>
+    <a:masterClrMapping/>
+  </p:clrMapOvr>
+  <p:timing>
+    <p:tnLst>
+      <p:par>
+        <p:cTn id="1" dur="indefinite" restart="never" nodeType="tmRoot"/>
+      </p:par>
+    </p:tnLst>
+  </p:timing>
+</p:sld>
+</file>
+
+<file path=ppt/slides/slide11.xml><?xml version="1.0" encoding="utf-8"?>
+<p:sld xmlns:a="http://schemas.openxmlformats.org/drawingml/2006/main" xmlns:r="http://schemas.openxmlformats.org/officeDocument/2006/relationships" xmlns:p="http://schemas.openxmlformats.org/presentationml/2006/main">
+  <p:cSld>
+    <p:spTree>
+      <p:nvGrpSpPr>
+        <p:cNvPr id="1" name=""/>
+        <p:cNvGrpSpPr/>
+        <p:nvPr/>
+      </p:nvGrpSpPr>
+      <p:grpSpPr>
+        <a:xfrm>
+          <a:off x="0" y="0"/>
+          <a:ext cx="0" cy="0"/>
+          <a:chOff x="0" y="0"/>
+          <a:chExt cx="0" cy="0"/>
+        </a:xfrm>
+      </p:grpSpPr>
+      <p:sp>
+        <p:nvSpPr>
+          <p:cNvPr id="5" name="內容版面配置區 4"/>
+          <p:cNvSpPr>
+            <a:spLocks noGrp="1"/>
+          </p:cNvSpPr>
+          <p:nvPr>
+            <p:ph idx="1"/>
+          </p:nvPr>
+        </p:nvSpPr>
+        <p:spPr>
+          <a:xfrm>
+            <a:off x="0" y="2084851"/>
+            <a:ext cx="12192000" cy="2404863"/>
+          </a:xfrm>
+        </p:spPr>
+        <p:txBody>
+          <a:bodyPr anchor="ctr">
             <a:normAutofit/>
           </a:bodyPr>
           <a:lstStyle/>
           <a:p>
-            <a:pPr marL="342900" indent="-342900" algn="ctr">
-              <a:spcBef>
-                <a:spcPct val="20000"/>
-              </a:spcBef>
-              <a:defRPr/>
+            <a:pPr algn="ctr">
+              <a:buNone/>
             </a:pPr>
-            <a:endParaRPr lang="zh-TW" altLang="en-US" sz="5400" b="1" dirty="0">
+            <a:r>
+              <a:rPr lang="zh-TW" altLang="en-US" sz="6400" b="1" dirty="0">
+                <a:solidFill>
+                  <a:srgbClr val="660033"/>
+                </a:solidFill>
+                <a:latin typeface="微軟正黑體" pitchFamily="34" charset="-120"/>
+                <a:ea typeface="微軟正黑體" pitchFamily="34" charset="-120"/>
+              </a:rPr>
+              <a:t>憑著信心常聞天歌</a:t>
+            </a:r>
+          </a:p>
+          <a:p>
+            <a:pPr algn="ctr">
+              <a:buNone/>
+            </a:pPr>
+            <a:r>
+              <a:rPr lang="zh-TW" altLang="en-US" sz="6400" b="1" dirty="0">
+                <a:solidFill>
+                  <a:srgbClr val="660033"/>
+                </a:solidFill>
+                <a:latin typeface="微軟正黑體" pitchFamily="34" charset="-120"/>
+                <a:ea typeface="微軟正黑體" pitchFamily="34" charset="-120"/>
+              </a:rPr>
+              <a:t>妙音佳調使我快樂</a:t>
+            </a:r>
+            <a:endParaRPr lang="zh-TW" altLang="en-US" sz="6400" b="1" dirty="0">
               <a:solidFill>
                 <a:srgbClr val="660033"/>
               </a:solidFill>
@@ -3576,32 +3815,133 @@
       </p:sp>
       <p:sp>
         <p:nvSpPr>
-          <p:cNvPr id="4" name="標題 3"/>
-          <p:cNvSpPr>
-            <a:spLocks noGrp="1"/>
-          </p:cNvSpPr>
-          <p:nvPr>
-            <p:ph type="title"/>
-          </p:nvPr>
-        </p:nvSpPr>
-        <p:spPr/>
-        <p:txBody>
-          <a:bodyPr>
+          <p:cNvPr id="3" name="TextBox 2"/>
+          <p:cNvSpPr txBox="1"/>
+          <p:nvPr/>
+        </p:nvSpPr>
+        <p:spPr>
+          <a:xfrm>
+            <a:off x="0" y="5061182"/>
+            <a:ext cx="12192000" cy="830997"/>
+          </a:xfrm>
+          <a:prstGeom prst="rect">
+            <a:avLst/>
+          </a:prstGeom>
+          <a:noFill/>
+        </p:spPr>
+        <p:txBody>
+          <a:bodyPr wrap="square" rtlCol="0">
+            <a:spAutoFit/>
+          </a:bodyPr>
+          <a:lstStyle/>
+          <a:p>
+            <a:pPr algn="ctr"/>
+            <a:r>
+              <a:rPr lang="en-US" sz="4800" b="1" dirty="0">
+                <a:solidFill>
+                  <a:srgbClr val="660033"/>
+                </a:solidFill>
+                <a:effectLst/>
+              </a:rPr>
+              <a:t>( 3 )</a:t>
+            </a:r>
+            <a:endParaRPr lang="vi-VN" sz="4800" b="1" dirty="0">
+              <a:solidFill>
+                <a:srgbClr val="660033"/>
+              </a:solidFill>
+              <a:effectLst/>
+            </a:endParaRPr>
+          </a:p>
+        </p:txBody>
+      </p:sp>
+    </p:spTree>
+    <p:extLst>
+      <p:ext uri="{BB962C8B-B14F-4D97-AF65-F5344CB8AC3E}">
+        <p14:creationId xmlns:p14="http://schemas.microsoft.com/office/powerpoint/2010/main" val="3608582117"/>
+      </p:ext>
+    </p:extLst>
+  </p:cSld>
+  <p:clrMapOvr>
+    <a:masterClrMapping/>
+  </p:clrMapOvr>
+  <p:timing>
+    <p:tnLst>
+      <p:par>
+        <p:cTn id="1" dur="indefinite" restart="never" nodeType="tmRoot"/>
+      </p:par>
+    </p:tnLst>
+  </p:timing>
+</p:sld>
+</file>
+
+<file path=ppt/slides/slide12.xml><?xml version="1.0" encoding="utf-8"?>
+<p:sld xmlns:a="http://schemas.openxmlformats.org/drawingml/2006/main" xmlns:r="http://schemas.openxmlformats.org/officeDocument/2006/relationships" xmlns:p="http://schemas.openxmlformats.org/presentationml/2006/main">
+  <p:cSld>
+    <p:spTree>
+      <p:nvGrpSpPr>
+        <p:cNvPr id="1" name=""/>
+        <p:cNvGrpSpPr/>
+        <p:nvPr/>
+      </p:nvGrpSpPr>
+      <p:grpSpPr>
+        <a:xfrm>
+          <a:off x="0" y="0"/>
+          <a:ext cx="0" cy="0"/>
+          <a:chOff x="0" y="0"/>
+          <a:chExt cx="0" cy="0"/>
+        </a:xfrm>
+      </p:grpSpPr>
+      <p:sp>
+        <p:nvSpPr>
+          <p:cNvPr id="5" name="內容版面配置區 4"/>
+          <p:cNvSpPr>
+            <a:spLocks noGrp="1"/>
+          </p:cNvSpPr>
+          <p:nvPr>
+            <p:ph idx="1"/>
+          </p:nvPr>
+        </p:nvSpPr>
+        <p:spPr>
+          <a:xfrm>
+            <a:off x="0" y="2084851"/>
+            <a:ext cx="12192000" cy="2404863"/>
+          </a:xfrm>
+        </p:spPr>
+        <p:txBody>
+          <a:bodyPr anchor="ctr">
             <a:normAutofit/>
           </a:bodyPr>
           <a:lstStyle/>
           <a:p>
-            <a:r>
-              <a:rPr lang="zh-TW" altLang="en-US" b="1" dirty="0" smtClean="0">
+            <a:pPr algn="ctr">
+              <a:buNone/>
+            </a:pPr>
+            <a:r>
+              <a:rPr lang="zh-TW" altLang="en-US" sz="6400" b="1" dirty="0">
                 <a:solidFill>
                   <a:srgbClr val="660033"/>
                 </a:solidFill>
                 <a:latin typeface="微軟正黑體" pitchFamily="34" charset="-120"/>
                 <a:ea typeface="微軟正黑體" pitchFamily="34" charset="-120"/>
               </a:rPr>
-              <a:t>向高處行</a:t>
-            </a:r>
-            <a:endParaRPr lang="zh-TW" altLang="en-US" b="1" dirty="0">
+              <a:t>求主扶助使我康健</a:t>
+            </a:r>
+          </a:p>
+          <a:p>
+            <a:pPr algn="ctr">
+              <a:buNone/>
+            </a:pPr>
+            <a:r>
+              <a:rPr lang="zh-TW" altLang="en-US" sz="6400" b="1" dirty="0">
+                <a:solidFill>
+                  <a:srgbClr val="660033"/>
+                </a:solidFill>
+                <a:latin typeface="微軟正黑體" pitchFamily="34" charset="-120"/>
+                <a:ea typeface="微軟正黑體" pitchFamily="34" charset="-120"/>
+              </a:rPr>
+              <a:t>憑信站在屬天高原</a:t>
+            </a:r>
+            <a:endParaRPr lang="zh-TW" altLang="en-US" sz="6400" b="1" dirty="0">
               <a:solidFill>
                 <a:srgbClr val="660033"/>
               </a:solidFill>
@@ -3611,6 +3951,43 @@
           </a:p>
         </p:txBody>
       </p:sp>
+    </p:spTree>
+    <p:extLst>
+      <p:ext uri="{BB962C8B-B14F-4D97-AF65-F5344CB8AC3E}">
+        <p14:creationId xmlns:p14="http://schemas.microsoft.com/office/powerpoint/2010/main" val="1495589418"/>
+      </p:ext>
+    </p:extLst>
+  </p:cSld>
+  <p:clrMapOvr>
+    <a:masterClrMapping/>
+  </p:clrMapOvr>
+  <p:timing>
+    <p:tnLst>
+      <p:par>
+        <p:cTn id="1" dur="indefinite" restart="never" nodeType="tmRoot"/>
+      </p:par>
+    </p:tnLst>
+  </p:timing>
+</p:sld>
+</file>
+
+<file path=ppt/slides/slide13.xml><?xml version="1.0" encoding="utf-8"?>
+<p:sld xmlns:a="http://schemas.openxmlformats.org/drawingml/2006/main" xmlns:r="http://schemas.openxmlformats.org/officeDocument/2006/relationships" xmlns:p="http://schemas.openxmlformats.org/presentationml/2006/main">
+  <p:cSld>
+    <p:spTree>
+      <p:nvGrpSpPr>
+        <p:cNvPr id="1" name=""/>
+        <p:cNvGrpSpPr/>
+        <p:nvPr/>
+      </p:nvGrpSpPr>
+      <p:grpSpPr>
+        <a:xfrm>
+          <a:off x="0" y="0"/>
+          <a:ext cx="0" cy="0"/>
+          <a:chOff x="0" y="0"/>
+          <a:chExt cx="0" cy="0"/>
+        </a:xfrm>
+      </p:grpSpPr>
       <p:sp>
         <p:nvSpPr>
           <p:cNvPr id="5" name="內容版面配置區 4"/>
@@ -3622,10 +3999,13 @@
           </p:nvPr>
         </p:nvSpPr>
         <p:spPr>
-          <a:noFill/>
+          <a:xfrm>
+            <a:off x="0" y="2084851"/>
+            <a:ext cx="12192000" cy="2404863"/>
+          </a:xfrm>
         </p:spPr>
         <p:txBody>
-          <a:bodyPr>
+          <a:bodyPr anchor="ctr">
             <a:normAutofit/>
           </a:bodyPr>
           <a:lstStyle/>
@@ -3634,14 +4014,14 @@
               <a:buNone/>
             </a:pPr>
             <a:r>
-              <a:rPr lang="zh-TW" altLang="en-US" sz="5400" b="1" dirty="0">
+              <a:rPr lang="zh-TW" altLang="en-US" sz="6400" b="1" dirty="0">
                 <a:solidFill>
                   <a:srgbClr val="660033"/>
                 </a:solidFill>
                 <a:latin typeface="微軟正黑體" pitchFamily="34" charset="-120"/>
                 <a:ea typeface="微軟正黑體" pitchFamily="34" charset="-120"/>
               </a:rPr>
-              <a:t>我今直向高處而行</a:t>
+              <a:t>使我逐日所處地位</a:t>
             </a:r>
           </a:p>
           <a:p>
@@ -3649,56 +4029,16 @@
               <a:buNone/>
             </a:pPr>
             <a:r>
-              <a:rPr lang="zh-TW" altLang="en-US" sz="5400" b="1" dirty="0">
+              <a:rPr lang="zh-TW" altLang="en-US" sz="6400" b="1" dirty="0">
                 <a:solidFill>
                   <a:srgbClr val="660033"/>
                 </a:solidFill>
                 <a:latin typeface="微軟正黑體" pitchFamily="34" charset="-120"/>
                 <a:ea typeface="微軟正黑體" pitchFamily="34" charset="-120"/>
               </a:rPr>
-              <a:t>靈性地位日日高昇</a:t>
-            </a:r>
-          </a:p>
-          <a:p>
-            <a:pPr algn="ctr">
-              <a:buNone/>
-            </a:pPr>
-            <a:r>
-              <a:rPr lang="zh-TW" altLang="en-US" sz="5400" b="1" dirty="0">
-                <a:solidFill>
-                  <a:srgbClr val="660033"/>
-                </a:solidFill>
-                <a:latin typeface="微軟正黑體" pitchFamily="34" charset="-120"/>
-                <a:ea typeface="微軟正黑體" pitchFamily="34" charset="-120"/>
-              </a:rPr>
-              <a:t>奔走靈程常常不停</a:t>
-            </a:r>
-          </a:p>
-          <a:p>
-            <a:pPr algn="ctr">
-              <a:buNone/>
-            </a:pPr>
-            <a:r>
-              <a:rPr lang="zh-TW" altLang="en-US" sz="5400" b="1" dirty="0">
-                <a:solidFill>
-                  <a:srgbClr val="660033"/>
-                </a:solidFill>
-                <a:latin typeface="微軟正黑體" pitchFamily="34" charset="-120"/>
-                <a:ea typeface="微軟正黑體" pitchFamily="34" charset="-120"/>
-              </a:rPr>
-              <a:t>求主領我向高處</a:t>
-            </a:r>
-            <a:r>
-              <a:rPr lang="zh-TW" altLang="en-US" sz="5400" b="1" dirty="0">
-                <a:solidFill>
-                  <a:srgbClr val="660033"/>
-                </a:solidFill>
-                <a:latin typeface="微軟正黑體" pitchFamily="34" charset="-120"/>
-                <a:ea typeface="微軟正黑體" pitchFamily="34" charset="-120"/>
-              </a:rPr>
-              <a:t>行</a:t>
-            </a:r>
-            <a:endParaRPr lang="zh-TW" altLang="en-US" sz="5400" b="1" dirty="0">
+              <a:t>較之往日有進無退</a:t>
+            </a:r>
+            <a:endParaRPr lang="zh-TW" altLang="en-US" sz="6400" b="1" dirty="0">
               <a:solidFill>
                 <a:srgbClr val="660033"/>
               </a:solidFill>
@@ -3708,16 +4048,113 @@
           </a:p>
         </p:txBody>
       </p:sp>
-      <p:sp>
-        <p:nvSpPr>
-          <p:cNvPr id="2" name="TextBox 1"/>
+    </p:spTree>
+    <p:extLst>
+      <p:ext uri="{BB962C8B-B14F-4D97-AF65-F5344CB8AC3E}">
+        <p14:creationId xmlns:p14="http://schemas.microsoft.com/office/powerpoint/2010/main" val="3713547405"/>
+      </p:ext>
+    </p:extLst>
+  </p:cSld>
+  <p:clrMapOvr>
+    <a:masterClrMapping/>
+  </p:clrMapOvr>
+  <p:timing>
+    <p:tnLst>
+      <p:par>
+        <p:cTn id="1" dur="indefinite" restart="never" nodeType="tmRoot"/>
+      </p:par>
+    </p:tnLst>
+  </p:timing>
+</p:sld>
+</file>
+
+<file path=ppt/slides/slide14.xml><?xml version="1.0" encoding="utf-8"?>
+<p:sld xmlns:a="http://schemas.openxmlformats.org/drawingml/2006/main" xmlns:r="http://schemas.openxmlformats.org/officeDocument/2006/relationships" xmlns:p="http://schemas.openxmlformats.org/presentationml/2006/main">
+  <p:cSld>
+    <p:spTree>
+      <p:nvGrpSpPr>
+        <p:cNvPr id="1" name=""/>
+        <p:cNvGrpSpPr/>
+        <p:nvPr/>
+      </p:nvGrpSpPr>
+      <p:grpSpPr>
+        <a:xfrm>
+          <a:off x="0" y="0"/>
+          <a:ext cx="0" cy="0"/>
+          <a:chOff x="0" y="0"/>
+          <a:chExt cx="0" cy="0"/>
+        </a:xfrm>
+      </p:grpSpPr>
+      <p:sp>
+        <p:nvSpPr>
+          <p:cNvPr id="5" name="內容版面配置區 4"/>
+          <p:cNvSpPr>
+            <a:spLocks noGrp="1"/>
+          </p:cNvSpPr>
+          <p:nvPr>
+            <p:ph idx="1"/>
+          </p:nvPr>
+        </p:nvSpPr>
+        <p:spPr>
+          <a:xfrm>
+            <a:off x="0" y="2084851"/>
+            <a:ext cx="12192000" cy="2404863"/>
+          </a:xfrm>
+        </p:spPr>
+        <p:txBody>
+          <a:bodyPr anchor="ctr">
+            <a:normAutofit/>
+          </a:bodyPr>
+          <a:lstStyle/>
+          <a:p>
+            <a:pPr algn="ctr">
+              <a:buNone/>
+            </a:pPr>
+            <a:r>
+              <a:rPr lang="zh-TW" altLang="en-US" sz="6400" b="1" dirty="0">
+                <a:solidFill>
+                  <a:srgbClr val="660033"/>
+                </a:solidFill>
+                <a:latin typeface="微軟正黑體" pitchFamily="34" charset="-120"/>
+                <a:ea typeface="微軟正黑體" pitchFamily="34" charset="-120"/>
+              </a:rPr>
+              <a:t>我深願向最高處行</a:t>
+            </a:r>
+          </a:p>
+          <a:p>
+            <a:pPr algn="ctr">
+              <a:buNone/>
+            </a:pPr>
+            <a:r>
+              <a:rPr lang="zh-TW" altLang="en-US" sz="6400" b="1" dirty="0">
+                <a:solidFill>
+                  <a:srgbClr val="660033"/>
+                </a:solidFill>
+                <a:latin typeface="微軟正黑體" pitchFamily="34" charset="-120"/>
+                <a:ea typeface="微軟正黑體" pitchFamily="34" charset="-120"/>
+              </a:rPr>
+              <a:t>渴慕得見榮光美景</a:t>
+            </a:r>
+            <a:endParaRPr lang="zh-TW" altLang="en-US" sz="6400" b="1" dirty="0">
+              <a:solidFill>
+                <a:srgbClr val="660033"/>
+              </a:solidFill>
+              <a:latin typeface="微軟正黑體" pitchFamily="34" charset="-120"/>
+              <a:ea typeface="微軟正黑體" pitchFamily="34" charset="-120"/>
+            </a:endParaRPr>
+          </a:p>
+        </p:txBody>
+      </p:sp>
+      <p:sp>
+        <p:nvSpPr>
+          <p:cNvPr id="3" name="TextBox 2"/>
           <p:cNvSpPr txBox="1"/>
           <p:nvPr/>
         </p:nvSpPr>
         <p:spPr>
           <a:xfrm>
-            <a:off x="1091952" y="1692276"/>
-            <a:ext cx="864096" cy="923330"/>
+            <a:off x="0" y="5061182"/>
+            <a:ext cx="12192000" cy="830997"/>
           </a:xfrm>
           <a:prstGeom prst="rect">
             <a:avLst/>
@@ -3730,23 +4167,363 @@
           </a:bodyPr>
           <a:lstStyle/>
           <a:p>
-            <a:r>
-              <a:rPr lang="en-US" sz="5400" b="1" dirty="0" smtClean="0">
+            <a:pPr algn="ctr"/>
+            <a:r>
+              <a:rPr lang="en-US" sz="4800" b="1" dirty="0">
                 <a:solidFill>
                   <a:srgbClr val="660033"/>
                 </a:solidFill>
+                <a:effectLst/>
               </a:rPr>
-              <a:t>1.</a:t>
-            </a:r>
-            <a:endParaRPr lang="vi-VN" sz="5400" b="1" dirty="0">
+              <a:t>( 4 )</a:t>
+            </a:r>
+            <a:endParaRPr lang="vi-VN" sz="4800" b="1" dirty="0">
               <a:solidFill>
                 <a:srgbClr val="660033"/>
               </a:solidFill>
+              <a:effectLst/>
             </a:endParaRPr>
           </a:p>
         </p:txBody>
       </p:sp>
     </p:spTree>
+    <p:extLst>
+      <p:ext uri="{BB962C8B-B14F-4D97-AF65-F5344CB8AC3E}">
+        <p14:creationId xmlns:p14="http://schemas.microsoft.com/office/powerpoint/2010/main" val="3519896067"/>
+      </p:ext>
+    </p:extLst>
+  </p:cSld>
+  <p:clrMapOvr>
+    <a:masterClrMapping/>
+  </p:clrMapOvr>
+  <p:timing>
+    <p:tnLst>
+      <p:par>
+        <p:cTn id="1" dur="indefinite" restart="never" nodeType="tmRoot"/>
+      </p:par>
+    </p:tnLst>
+  </p:timing>
+</p:sld>
+</file>
+
+<file path=ppt/slides/slide15.xml><?xml version="1.0" encoding="utf-8"?>
+<p:sld xmlns:a="http://schemas.openxmlformats.org/drawingml/2006/main" xmlns:r="http://schemas.openxmlformats.org/officeDocument/2006/relationships" xmlns:p="http://schemas.openxmlformats.org/presentationml/2006/main">
+  <p:cSld>
+    <p:spTree>
+      <p:nvGrpSpPr>
+        <p:cNvPr id="1" name=""/>
+        <p:cNvGrpSpPr/>
+        <p:nvPr/>
+      </p:nvGrpSpPr>
+      <p:grpSpPr>
+        <a:xfrm>
+          <a:off x="0" y="0"/>
+          <a:ext cx="0" cy="0"/>
+          <a:chOff x="0" y="0"/>
+          <a:chExt cx="0" cy="0"/>
+        </a:xfrm>
+      </p:grpSpPr>
+      <p:sp>
+        <p:nvSpPr>
+          <p:cNvPr id="5" name="內容版面配置區 4"/>
+          <p:cNvSpPr>
+            <a:spLocks noGrp="1"/>
+          </p:cNvSpPr>
+          <p:nvPr>
+            <p:ph idx="1"/>
+          </p:nvPr>
+        </p:nvSpPr>
+        <p:spPr>
+          <a:xfrm>
+            <a:off x="0" y="2084851"/>
+            <a:ext cx="12192000" cy="2404863"/>
+          </a:xfrm>
+        </p:spPr>
+        <p:txBody>
+          <a:bodyPr anchor="ctr">
+            <a:normAutofit/>
+          </a:bodyPr>
+          <a:lstStyle/>
+          <a:p>
+            <a:pPr algn="ctr">
+              <a:buNone/>
+            </a:pPr>
+            <a:r>
+              <a:rPr lang="zh-TW" altLang="en-US" sz="6400" b="1" dirty="0">
+                <a:solidFill>
+                  <a:srgbClr val="660033"/>
+                </a:solidFill>
+                <a:latin typeface="微軟正黑體" pitchFamily="34" charset="-120"/>
+                <a:ea typeface="微軟正黑體" pitchFamily="34" charset="-120"/>
+              </a:rPr>
+              <a:t>不住祈求直到天庭</a:t>
+            </a:r>
+          </a:p>
+          <a:p>
+            <a:pPr algn="ctr">
+              <a:buNone/>
+            </a:pPr>
+            <a:r>
+              <a:rPr lang="zh-TW" altLang="en-US" sz="6400" b="1" dirty="0">
+                <a:solidFill>
+                  <a:srgbClr val="660033"/>
+                </a:solidFill>
+                <a:latin typeface="微軟正黑體" pitchFamily="34" charset="-120"/>
+                <a:ea typeface="微軟正黑體" pitchFamily="34" charset="-120"/>
+              </a:rPr>
+              <a:t>求主領我向高處行</a:t>
+            </a:r>
+            <a:endParaRPr lang="zh-TW" altLang="en-US" sz="6400" b="1" dirty="0">
+              <a:solidFill>
+                <a:srgbClr val="660033"/>
+              </a:solidFill>
+              <a:latin typeface="微軟正黑體" pitchFamily="34" charset="-120"/>
+              <a:ea typeface="微軟正黑體" pitchFamily="34" charset="-120"/>
+            </a:endParaRPr>
+          </a:p>
+        </p:txBody>
+      </p:sp>
+      <p:sp>
+        <p:nvSpPr>
+          <p:cNvPr id="3" name="TextBox 2"/>
+          <p:cNvSpPr txBox="1"/>
+          <p:nvPr/>
+        </p:nvSpPr>
+        <p:spPr>
+          <a:xfrm>
+            <a:off x="0" y="5061182"/>
+            <a:ext cx="12192000" cy="830997"/>
+          </a:xfrm>
+          <a:prstGeom prst="rect">
+            <a:avLst/>
+          </a:prstGeom>
+          <a:noFill/>
+        </p:spPr>
+        <p:txBody>
+          <a:bodyPr wrap="square" rtlCol="0">
+            <a:spAutoFit/>
+          </a:bodyPr>
+          <a:lstStyle/>
+          <a:p>
+            <a:pPr algn="ctr"/>
+            <a:r>
+              <a:rPr lang="en-US" sz="4800" b="1" dirty="0">
+                <a:solidFill>
+                  <a:srgbClr val="660033"/>
+                </a:solidFill>
+                <a:effectLst/>
+              </a:rPr>
+              <a:t>( 4 )</a:t>
+            </a:r>
+            <a:endParaRPr lang="vi-VN" sz="4800" b="1" dirty="0">
+              <a:solidFill>
+                <a:srgbClr val="660033"/>
+              </a:solidFill>
+              <a:effectLst/>
+            </a:endParaRPr>
+          </a:p>
+        </p:txBody>
+      </p:sp>
+    </p:spTree>
+    <p:extLst>
+      <p:ext uri="{BB962C8B-B14F-4D97-AF65-F5344CB8AC3E}">
+        <p14:creationId xmlns:p14="http://schemas.microsoft.com/office/powerpoint/2010/main" val="1832869134"/>
+      </p:ext>
+    </p:extLst>
+  </p:cSld>
+  <p:clrMapOvr>
+    <a:masterClrMapping/>
+  </p:clrMapOvr>
+  <p:timing>
+    <p:tnLst>
+      <p:par>
+        <p:cTn id="1" dur="indefinite" restart="never" nodeType="tmRoot"/>
+      </p:par>
+    </p:tnLst>
+  </p:timing>
+</p:sld>
+</file>
+
+<file path=ppt/slides/slide16.xml><?xml version="1.0" encoding="utf-8"?>
+<p:sld xmlns:a="http://schemas.openxmlformats.org/drawingml/2006/main" xmlns:r="http://schemas.openxmlformats.org/officeDocument/2006/relationships" xmlns:p="http://schemas.openxmlformats.org/presentationml/2006/main">
+  <p:cSld>
+    <p:spTree>
+      <p:nvGrpSpPr>
+        <p:cNvPr id="1" name=""/>
+        <p:cNvGrpSpPr/>
+        <p:nvPr/>
+      </p:nvGrpSpPr>
+      <p:grpSpPr>
+        <a:xfrm>
+          <a:off x="0" y="0"/>
+          <a:ext cx="0" cy="0"/>
+          <a:chOff x="0" y="0"/>
+          <a:chExt cx="0" cy="0"/>
+        </a:xfrm>
+      </p:grpSpPr>
+      <p:sp>
+        <p:nvSpPr>
+          <p:cNvPr id="5" name="內容版面配置區 4"/>
+          <p:cNvSpPr>
+            <a:spLocks noGrp="1"/>
+          </p:cNvSpPr>
+          <p:nvPr>
+            <p:ph idx="1"/>
+          </p:nvPr>
+        </p:nvSpPr>
+        <p:spPr>
+          <a:xfrm>
+            <a:off x="0" y="2084851"/>
+            <a:ext cx="12192000" cy="2404863"/>
+          </a:xfrm>
+        </p:spPr>
+        <p:txBody>
+          <a:bodyPr anchor="ctr">
+            <a:normAutofit/>
+          </a:bodyPr>
+          <a:lstStyle/>
+          <a:p>
+            <a:pPr algn="ctr">
+              <a:buNone/>
+            </a:pPr>
+            <a:r>
+              <a:rPr lang="zh-TW" altLang="en-US" sz="6400" b="1" dirty="0">
+                <a:solidFill>
+                  <a:srgbClr val="660033"/>
+                </a:solidFill>
+                <a:latin typeface="微軟正黑體" pitchFamily="34" charset="-120"/>
+                <a:ea typeface="微軟正黑體" pitchFamily="34" charset="-120"/>
+              </a:rPr>
+              <a:t>求主扶助使我康健</a:t>
+            </a:r>
+          </a:p>
+          <a:p>
+            <a:pPr algn="ctr">
+              <a:buNone/>
+            </a:pPr>
+            <a:r>
+              <a:rPr lang="zh-TW" altLang="en-US" sz="6400" b="1" dirty="0">
+                <a:solidFill>
+                  <a:srgbClr val="660033"/>
+                </a:solidFill>
+                <a:latin typeface="微軟正黑體" pitchFamily="34" charset="-120"/>
+                <a:ea typeface="微軟正黑體" pitchFamily="34" charset="-120"/>
+              </a:rPr>
+              <a:t>憑信站在屬天高原</a:t>
+            </a:r>
+            <a:endParaRPr lang="zh-TW" altLang="en-US" sz="6400" b="1" dirty="0">
+              <a:solidFill>
+                <a:srgbClr val="660033"/>
+              </a:solidFill>
+              <a:latin typeface="微軟正黑體" pitchFamily="34" charset="-120"/>
+              <a:ea typeface="微軟正黑體" pitchFamily="34" charset="-120"/>
+            </a:endParaRPr>
+          </a:p>
+        </p:txBody>
+      </p:sp>
+    </p:spTree>
+    <p:extLst>
+      <p:ext uri="{BB962C8B-B14F-4D97-AF65-F5344CB8AC3E}">
+        <p14:creationId xmlns:p14="http://schemas.microsoft.com/office/powerpoint/2010/main" val="1655197720"/>
+      </p:ext>
+    </p:extLst>
+  </p:cSld>
+  <p:clrMapOvr>
+    <a:masterClrMapping/>
+  </p:clrMapOvr>
+  <p:timing>
+    <p:tnLst>
+      <p:par>
+        <p:cTn id="1" dur="indefinite" restart="never" nodeType="tmRoot"/>
+      </p:par>
+    </p:tnLst>
+  </p:timing>
+</p:sld>
+</file>
+
+<file path=ppt/slides/slide17.xml><?xml version="1.0" encoding="utf-8"?>
+<p:sld xmlns:a="http://schemas.openxmlformats.org/drawingml/2006/main" xmlns:r="http://schemas.openxmlformats.org/officeDocument/2006/relationships" xmlns:p="http://schemas.openxmlformats.org/presentationml/2006/main">
+  <p:cSld>
+    <p:spTree>
+      <p:nvGrpSpPr>
+        <p:cNvPr id="1" name=""/>
+        <p:cNvGrpSpPr/>
+        <p:nvPr/>
+      </p:nvGrpSpPr>
+      <p:grpSpPr>
+        <a:xfrm>
+          <a:off x="0" y="0"/>
+          <a:ext cx="0" cy="0"/>
+          <a:chOff x="0" y="0"/>
+          <a:chExt cx="0" cy="0"/>
+        </a:xfrm>
+      </p:grpSpPr>
+      <p:sp>
+        <p:nvSpPr>
+          <p:cNvPr id="5" name="內容版面配置區 4"/>
+          <p:cNvSpPr>
+            <a:spLocks noGrp="1"/>
+          </p:cNvSpPr>
+          <p:nvPr>
+            <p:ph idx="1"/>
+          </p:nvPr>
+        </p:nvSpPr>
+        <p:spPr>
+          <a:xfrm>
+            <a:off x="0" y="2084851"/>
+            <a:ext cx="12192000" cy="2404863"/>
+          </a:xfrm>
+        </p:spPr>
+        <p:txBody>
+          <a:bodyPr anchor="ctr">
+            <a:normAutofit/>
+          </a:bodyPr>
+          <a:lstStyle/>
+          <a:p>
+            <a:pPr algn="ctr">
+              <a:buNone/>
+            </a:pPr>
+            <a:r>
+              <a:rPr lang="zh-TW" altLang="en-US" sz="6400" b="1" dirty="0">
+                <a:solidFill>
+                  <a:srgbClr val="660033"/>
+                </a:solidFill>
+                <a:latin typeface="微軟正黑體" pitchFamily="34" charset="-120"/>
+                <a:ea typeface="微軟正黑體" pitchFamily="34" charset="-120"/>
+              </a:rPr>
+              <a:t>使我逐日所處地位</a:t>
+            </a:r>
+          </a:p>
+          <a:p>
+            <a:pPr algn="ctr">
+              <a:buNone/>
+            </a:pPr>
+            <a:r>
+              <a:rPr lang="zh-TW" altLang="en-US" sz="6400" b="1" dirty="0">
+                <a:solidFill>
+                  <a:srgbClr val="660033"/>
+                </a:solidFill>
+                <a:latin typeface="微軟正黑體" pitchFamily="34" charset="-120"/>
+                <a:ea typeface="微軟正黑體" pitchFamily="34" charset="-120"/>
+              </a:rPr>
+              <a:t>較之往日有進無退</a:t>
+            </a:r>
+            <a:endParaRPr lang="zh-TW" altLang="en-US" sz="6400" b="1" dirty="0">
+              <a:solidFill>
+                <a:srgbClr val="660033"/>
+              </a:solidFill>
+              <a:latin typeface="微軟正黑體" pitchFamily="34" charset="-120"/>
+              <a:ea typeface="微軟正黑體" pitchFamily="34" charset="-120"/>
+            </a:endParaRPr>
+          </a:p>
+        </p:txBody>
+      </p:sp>
+    </p:spTree>
+    <p:extLst>
+      <p:ext uri="{BB962C8B-B14F-4D97-AF65-F5344CB8AC3E}">
+        <p14:creationId xmlns:p14="http://schemas.microsoft.com/office/powerpoint/2010/main" val="70129601"/>
+      </p:ext>
+    </p:extLst>
   </p:cSld>
   <p:clrMapOvr>
     <a:masterClrMapping/>
@@ -3780,16 +4557,74 @@
       </p:grpSpPr>
       <p:sp>
         <p:nvSpPr>
-          <p:cNvPr id="6" name="內容版面配置區 4"/>
-          <p:cNvSpPr txBox="1">
-            <a:spLocks/>
-          </p:cNvSpPr>
-          <p:nvPr/>
+          <p:cNvPr id="5" name="內容版面配置區 4"/>
+          <p:cNvSpPr>
+            <a:spLocks noGrp="1"/>
+          </p:cNvSpPr>
+          <p:nvPr>
+            <p:ph idx="1"/>
+          </p:nvPr>
         </p:nvSpPr>
         <p:spPr>
           <a:xfrm>
-            <a:off x="1524000" y="0"/>
-            <a:ext cx="9144000" cy="6858000"/>
+            <a:off x="0" y="2084851"/>
+            <a:ext cx="12192000" cy="2404863"/>
+          </a:xfrm>
+        </p:spPr>
+        <p:txBody>
+          <a:bodyPr anchor="ctr">
+            <a:normAutofit/>
+          </a:bodyPr>
+          <a:lstStyle/>
+          <a:p>
+            <a:pPr algn="ctr">
+              <a:buNone/>
+            </a:pPr>
+            <a:r>
+              <a:rPr lang="zh-TW" altLang="en-US" sz="6400" b="1" dirty="0">
+                <a:solidFill>
+                  <a:srgbClr val="660033"/>
+                </a:solidFill>
+                <a:latin typeface="微軟正黑體" pitchFamily="34" charset="-120"/>
+                <a:ea typeface="微軟正黑體" pitchFamily="34" charset="-120"/>
+              </a:rPr>
+              <a:t>我今直向高處而行</a:t>
+            </a:r>
+          </a:p>
+          <a:p>
+            <a:pPr algn="ctr">
+              <a:buNone/>
+            </a:pPr>
+            <a:r>
+              <a:rPr lang="zh-TW" altLang="en-US" sz="6400" b="1" dirty="0">
+                <a:solidFill>
+                  <a:srgbClr val="660033"/>
+                </a:solidFill>
+                <a:latin typeface="微軟正黑體" pitchFamily="34" charset="-120"/>
+                <a:ea typeface="微軟正黑體" pitchFamily="34" charset="-120"/>
+              </a:rPr>
+              <a:t>靈性地位日日高昇</a:t>
+            </a:r>
+            <a:endParaRPr lang="zh-TW" altLang="en-US" sz="6400" b="1" dirty="0">
+              <a:solidFill>
+                <a:srgbClr val="660033"/>
+              </a:solidFill>
+              <a:latin typeface="微軟正黑體" pitchFamily="34" charset="-120"/>
+              <a:ea typeface="微軟正黑體" pitchFamily="34" charset="-120"/>
+            </a:endParaRPr>
+          </a:p>
+        </p:txBody>
+      </p:sp>
+      <p:sp>
+        <p:nvSpPr>
+          <p:cNvPr id="3" name="TextBox 2"/>
+          <p:cNvSpPr txBox="1"/>
+          <p:nvPr/>
+        </p:nvSpPr>
+        <p:spPr>
+          <a:xfrm>
+            <a:off x="0" y="5061182"/>
+            <a:ext cx="12192000" cy="830997"/>
           </a:xfrm>
           <a:prstGeom prst="rect">
             <a:avLst/>
@@ -3797,143 +4632,36 @@
           <a:noFill/>
         </p:spPr>
         <p:txBody>
-          <a:bodyPr vert="horz" lIns="91440" tIns="45720" rIns="91440" bIns="45720" rtlCol="0">
-            <a:normAutofit/>
+          <a:bodyPr wrap="square" rtlCol="0">
+            <a:spAutoFit/>
           </a:bodyPr>
           <a:lstStyle/>
           <a:p>
-            <a:pPr marL="342900" indent="-342900" algn="ctr">
-              <a:spcBef>
-                <a:spcPct val="20000"/>
-              </a:spcBef>
-              <a:defRPr/>
-            </a:pPr>
-            <a:endParaRPr lang="zh-TW" altLang="en-US" sz="5400" b="1" dirty="0">
+            <a:pPr algn="ctr"/>
+            <a:r>
+              <a:rPr lang="en-US" sz="4800" b="1" dirty="0">
+                <a:solidFill>
+                  <a:srgbClr val="660033"/>
+                </a:solidFill>
+                <a:effectLst/>
+              </a:rPr>
+              <a:t>( 1 )</a:t>
+            </a:r>
+            <a:endParaRPr lang="vi-VN" sz="4800" b="1" dirty="0">
               <a:solidFill>
                 <a:srgbClr val="660033"/>
               </a:solidFill>
-              <a:latin typeface="微軟正黑體" pitchFamily="34" charset="-120"/>
-              <a:ea typeface="微軟正黑體" pitchFamily="34" charset="-120"/>
+              <a:effectLst/>
             </a:endParaRPr>
           </a:p>
         </p:txBody>
       </p:sp>
-      <p:sp>
-        <p:nvSpPr>
-          <p:cNvPr id="4" name="標題 3"/>
-          <p:cNvSpPr>
-            <a:spLocks noGrp="1"/>
-          </p:cNvSpPr>
-          <p:nvPr>
-            <p:ph type="title"/>
-          </p:nvPr>
-        </p:nvSpPr>
-        <p:spPr/>
-        <p:txBody>
-          <a:bodyPr>
-            <a:normAutofit/>
-          </a:bodyPr>
-          <a:lstStyle/>
-          <a:p>
-            <a:r>
-              <a:rPr lang="zh-TW" altLang="en-US" b="1" dirty="0" smtClean="0">
-                <a:solidFill>
-                  <a:srgbClr val="660033"/>
-                </a:solidFill>
-                <a:latin typeface="微軟正黑體" pitchFamily="34" charset="-120"/>
-                <a:ea typeface="微軟正黑體" pitchFamily="34" charset="-120"/>
-              </a:rPr>
-              <a:t>向高處行</a:t>
-            </a:r>
-            <a:endParaRPr lang="zh-TW" altLang="en-US" b="1" dirty="0">
-              <a:solidFill>
-                <a:srgbClr val="660033"/>
-              </a:solidFill>
-              <a:latin typeface="微軟正黑體" pitchFamily="34" charset="-120"/>
-              <a:ea typeface="微軟正黑體" pitchFamily="34" charset="-120"/>
-            </a:endParaRPr>
-          </a:p>
-        </p:txBody>
-      </p:sp>
-      <p:sp>
-        <p:nvSpPr>
-          <p:cNvPr id="5" name="內容版面配置區 4"/>
-          <p:cNvSpPr>
-            <a:spLocks noGrp="1"/>
-          </p:cNvSpPr>
-          <p:nvPr>
-            <p:ph idx="1"/>
-          </p:nvPr>
-        </p:nvSpPr>
-        <p:spPr/>
-        <p:txBody>
-          <a:bodyPr>
-            <a:normAutofit/>
-          </a:bodyPr>
-          <a:lstStyle/>
-          <a:p>
-            <a:pPr algn="ctr">
-              <a:buNone/>
-            </a:pPr>
-            <a:r>
-              <a:rPr lang="zh-TW" altLang="en-US" sz="5400" b="1" dirty="0">
-                <a:solidFill>
-                  <a:srgbClr val="660033"/>
-                </a:solidFill>
-                <a:latin typeface="微軟正黑體" pitchFamily="34" charset="-120"/>
-                <a:ea typeface="微軟正黑體" pitchFamily="34" charset="-120"/>
-              </a:rPr>
-              <a:t>求主扶助使我康健</a:t>
-            </a:r>
-          </a:p>
-          <a:p>
-            <a:pPr algn="ctr">
-              <a:buNone/>
-            </a:pPr>
-            <a:r>
-              <a:rPr lang="zh-TW" altLang="en-US" sz="5400" b="1" dirty="0">
-                <a:solidFill>
-                  <a:srgbClr val="660033"/>
-                </a:solidFill>
-                <a:latin typeface="微軟正黑體" pitchFamily="34" charset="-120"/>
-                <a:ea typeface="微軟正黑體" pitchFamily="34" charset="-120"/>
-              </a:rPr>
-              <a:t>憑信站在屬天高原</a:t>
-            </a:r>
-          </a:p>
-          <a:p>
-            <a:pPr algn="ctr">
-              <a:buNone/>
-            </a:pPr>
-            <a:r>
-              <a:rPr lang="zh-TW" altLang="en-US" sz="5400" b="1" dirty="0">
-                <a:solidFill>
-                  <a:srgbClr val="660033"/>
-                </a:solidFill>
-                <a:latin typeface="微軟正黑體" pitchFamily="34" charset="-120"/>
-                <a:ea typeface="微軟正黑體" pitchFamily="34" charset="-120"/>
-              </a:rPr>
-              <a:t>使我逐日所處地位</a:t>
-            </a:r>
-          </a:p>
-          <a:p>
-            <a:pPr algn="ctr">
-              <a:buNone/>
-            </a:pPr>
-            <a:r>
-              <a:rPr lang="zh-TW" altLang="en-US" sz="5400" b="1" dirty="0">
-                <a:solidFill>
-                  <a:srgbClr val="660033"/>
-                </a:solidFill>
-                <a:latin typeface="微軟正黑體" pitchFamily="34" charset="-120"/>
-                <a:ea typeface="微軟正黑體" pitchFamily="34" charset="-120"/>
-              </a:rPr>
-              <a:t>較之往日有進無退</a:t>
-            </a:r>
-          </a:p>
-        </p:txBody>
-      </p:sp>
     </p:spTree>
+    <p:extLst>
+      <p:ext uri="{BB962C8B-B14F-4D97-AF65-F5344CB8AC3E}">
+        <p14:creationId xmlns:p14="http://schemas.microsoft.com/office/powerpoint/2010/main" val="3775041389"/>
+      </p:ext>
+    </p:extLst>
   </p:cSld>
   <p:clrMapOvr>
     <a:masterClrMapping/>
@@ -3967,16 +4695,74 @@
       </p:grpSpPr>
       <p:sp>
         <p:nvSpPr>
-          <p:cNvPr id="6" name="內容版面配置區 4"/>
-          <p:cNvSpPr txBox="1">
-            <a:spLocks/>
-          </p:cNvSpPr>
-          <p:nvPr/>
+          <p:cNvPr id="5" name="內容版面配置區 4"/>
+          <p:cNvSpPr>
+            <a:spLocks noGrp="1"/>
+          </p:cNvSpPr>
+          <p:nvPr>
+            <p:ph idx="1"/>
+          </p:nvPr>
         </p:nvSpPr>
         <p:spPr>
           <a:xfrm>
-            <a:off x="1524000" y="0"/>
-            <a:ext cx="9144000" cy="6858000"/>
+            <a:off x="0" y="2084851"/>
+            <a:ext cx="12192000" cy="2404863"/>
+          </a:xfrm>
+        </p:spPr>
+        <p:txBody>
+          <a:bodyPr anchor="ctr">
+            <a:normAutofit/>
+          </a:bodyPr>
+          <a:lstStyle/>
+          <a:p>
+            <a:pPr algn="ctr">
+              <a:buNone/>
+            </a:pPr>
+            <a:r>
+              <a:rPr lang="zh-TW" altLang="en-US" sz="6400" b="1" dirty="0">
+                <a:solidFill>
+                  <a:srgbClr val="660033"/>
+                </a:solidFill>
+                <a:latin typeface="微軟正黑體" pitchFamily="34" charset="-120"/>
+                <a:ea typeface="微軟正黑體" pitchFamily="34" charset="-120"/>
+              </a:rPr>
+              <a:t>奔走靈程常常不停</a:t>
+            </a:r>
+          </a:p>
+          <a:p>
+            <a:pPr algn="ctr">
+              <a:buNone/>
+            </a:pPr>
+            <a:r>
+              <a:rPr lang="zh-TW" altLang="en-US" sz="6400" b="1" dirty="0">
+                <a:solidFill>
+                  <a:srgbClr val="660033"/>
+                </a:solidFill>
+                <a:latin typeface="微軟正黑體" pitchFamily="34" charset="-120"/>
+                <a:ea typeface="微軟正黑體" pitchFamily="34" charset="-120"/>
+              </a:rPr>
+              <a:t>求主領我向高處行</a:t>
+            </a:r>
+            <a:endParaRPr lang="zh-TW" altLang="en-US" sz="6400" b="1" dirty="0">
+              <a:solidFill>
+                <a:srgbClr val="660033"/>
+              </a:solidFill>
+              <a:latin typeface="微軟正黑體" pitchFamily="34" charset="-120"/>
+              <a:ea typeface="微軟正黑體" pitchFamily="34" charset="-120"/>
+            </a:endParaRPr>
+          </a:p>
+        </p:txBody>
+      </p:sp>
+      <p:sp>
+        <p:nvSpPr>
+          <p:cNvPr id="3" name="TextBox 2"/>
+          <p:cNvSpPr txBox="1"/>
+          <p:nvPr/>
+        </p:nvSpPr>
+        <p:spPr>
+          <a:xfrm>
+            <a:off x="0" y="5061182"/>
+            <a:ext cx="12192000" cy="830997"/>
           </a:xfrm>
           <a:prstGeom prst="rect">
             <a:avLst/>
@@ -3984,193 +4770,47 @@
           <a:noFill/>
         </p:spPr>
         <p:txBody>
-          <a:bodyPr vert="horz" lIns="91440" tIns="45720" rIns="91440" bIns="45720" rtlCol="0">
-            <a:normAutofit/>
+          <a:bodyPr wrap="square" rtlCol="0">
+            <a:spAutoFit/>
           </a:bodyPr>
           <a:lstStyle/>
           <a:p>
-            <a:pPr marL="342900" indent="-342900" algn="ctr">
-              <a:spcBef>
-                <a:spcPct val="20000"/>
-              </a:spcBef>
-              <a:defRPr/>
-            </a:pPr>
-            <a:endParaRPr lang="zh-TW" altLang="en-US" sz="5400" b="1" dirty="0">
+            <a:pPr algn="ctr"/>
+            <a:r>
+              <a:rPr lang="en-US" sz="4800" b="1" dirty="0">
+                <a:solidFill>
+                  <a:srgbClr val="660033"/>
+                </a:solidFill>
+                <a:effectLst/>
+              </a:rPr>
+              <a:t>( 1 )</a:t>
+            </a:r>
+            <a:endParaRPr lang="vi-VN" sz="4800" b="1" dirty="0">
               <a:solidFill>
                 <a:srgbClr val="660033"/>
               </a:solidFill>
-              <a:latin typeface="微軟正黑體" pitchFamily="34" charset="-120"/>
-              <a:ea typeface="微軟正黑體" pitchFamily="34" charset="-120"/>
+              <a:effectLst/>
             </a:endParaRPr>
           </a:p>
         </p:txBody>
       </p:sp>
-      <p:sp>
-        <p:nvSpPr>
-          <p:cNvPr id="4" name="標題 3"/>
-          <p:cNvSpPr>
-            <a:spLocks noGrp="1"/>
-          </p:cNvSpPr>
-          <p:nvPr>
-            <p:ph type="title"/>
-          </p:nvPr>
-        </p:nvSpPr>
-        <p:spPr/>
-        <p:txBody>
-          <a:bodyPr>
-            <a:normAutofit/>
-          </a:bodyPr>
-          <a:lstStyle/>
-          <a:p>
-            <a:r>
-              <a:rPr lang="zh-TW" altLang="en-US" b="1" dirty="0" smtClean="0">
-                <a:solidFill>
-                  <a:srgbClr val="660033"/>
-                </a:solidFill>
-                <a:latin typeface="微軟正黑體" pitchFamily="34" charset="-120"/>
-                <a:ea typeface="微軟正黑體" pitchFamily="34" charset="-120"/>
-              </a:rPr>
-              <a:t>向高處行</a:t>
-            </a:r>
-            <a:endParaRPr lang="zh-TW" altLang="en-US" b="1" dirty="0">
-              <a:solidFill>
-                <a:srgbClr val="660033"/>
-              </a:solidFill>
-              <a:latin typeface="微軟正黑體" pitchFamily="34" charset="-120"/>
-              <a:ea typeface="微軟正黑體" pitchFamily="34" charset="-120"/>
-            </a:endParaRPr>
-          </a:p>
-        </p:txBody>
-      </p:sp>
-      <p:sp>
-        <p:nvSpPr>
-          <p:cNvPr id="5" name="內容版面配置區 4"/>
-          <p:cNvSpPr>
-            <a:spLocks noGrp="1"/>
-          </p:cNvSpPr>
-          <p:nvPr>
-            <p:ph idx="1"/>
-          </p:nvPr>
-        </p:nvSpPr>
-        <p:spPr/>
-        <p:txBody>
-          <a:bodyPr>
-            <a:normAutofit/>
-          </a:bodyPr>
-          <a:lstStyle/>
-          <a:p>
-            <a:pPr algn="ctr">
-              <a:buNone/>
-            </a:pPr>
-            <a:r>
-              <a:rPr lang="zh-TW" altLang="en-US" sz="5400" b="1" dirty="0">
-                <a:solidFill>
-                  <a:srgbClr val="660033"/>
-                </a:solidFill>
-                <a:latin typeface="微軟正黑體" pitchFamily="34" charset="-120"/>
-                <a:ea typeface="微軟正黑體" pitchFamily="34" charset="-120"/>
-              </a:rPr>
-              <a:t>世上常有疑慮恐怖</a:t>
-            </a:r>
-          </a:p>
-          <a:p>
-            <a:pPr algn="ctr">
-              <a:buNone/>
-            </a:pPr>
-            <a:r>
-              <a:rPr lang="zh-TW" altLang="en-US" sz="5400" b="1" dirty="0">
-                <a:solidFill>
-                  <a:srgbClr val="660033"/>
-                </a:solidFill>
-                <a:latin typeface="微軟正黑體" pitchFamily="34" charset="-120"/>
-                <a:ea typeface="微軟正黑體" pitchFamily="34" charset="-120"/>
-              </a:rPr>
-              <a:t>非我所要久居之都</a:t>
-            </a:r>
-          </a:p>
-          <a:p>
-            <a:pPr algn="ctr">
-              <a:buNone/>
-            </a:pPr>
-            <a:r>
-              <a:rPr lang="zh-TW" altLang="en-US" sz="5400" b="1" dirty="0">
-                <a:solidFill>
-                  <a:srgbClr val="660033"/>
-                </a:solidFill>
-                <a:latin typeface="微軟正黑體" pitchFamily="34" charset="-120"/>
-                <a:ea typeface="微軟正黑體" pitchFamily="34" charset="-120"/>
-              </a:rPr>
-              <a:t>別人或願宮室久居</a:t>
-            </a:r>
-          </a:p>
-          <a:p>
-            <a:pPr algn="ctr">
-              <a:buNone/>
-            </a:pPr>
-            <a:r>
-              <a:rPr lang="zh-TW" altLang="en-US" sz="5400" b="1" dirty="0">
-                <a:solidFill>
-                  <a:srgbClr val="660033"/>
-                </a:solidFill>
-                <a:latin typeface="微軟正黑體" pitchFamily="34" charset="-120"/>
-                <a:ea typeface="微軟正黑體" pitchFamily="34" charset="-120"/>
-              </a:rPr>
-              <a:t>但我目注更美之地</a:t>
-            </a:r>
-          </a:p>
-        </p:txBody>
-      </p:sp>
-      <p:sp>
-        <p:nvSpPr>
-          <p:cNvPr id="7" name="TextBox 6"/>
-          <p:cNvSpPr txBox="1"/>
-          <p:nvPr/>
-        </p:nvSpPr>
-        <p:spPr>
-          <a:xfrm>
-            <a:off x="1091952" y="1692276"/>
-            <a:ext cx="864096" cy="923330"/>
-          </a:xfrm>
-          <a:prstGeom prst="rect">
-            <a:avLst/>
-          </a:prstGeom>
-          <a:noFill/>
-        </p:spPr>
-        <p:txBody>
-          <a:bodyPr wrap="square" rtlCol="0">
-            <a:spAutoFit/>
-          </a:bodyPr>
-          <a:lstStyle/>
-          <a:p>
-            <a:r>
-              <a:rPr lang="en-US" sz="5400" b="1" dirty="0">
-                <a:solidFill>
-                  <a:srgbClr val="660033"/>
-                </a:solidFill>
-              </a:rPr>
-              <a:t>2</a:t>
-            </a:r>
-            <a:r>
-              <a:rPr lang="en-US" sz="5400" b="1" dirty="0" smtClean="0">
-                <a:solidFill>
-                  <a:srgbClr val="660033"/>
-                </a:solidFill>
-              </a:rPr>
-              <a:t>.</a:t>
-            </a:r>
-            <a:endParaRPr lang="vi-VN" sz="5400" b="1" dirty="0">
-              <a:solidFill>
-                <a:srgbClr val="660033"/>
-              </a:solidFill>
-            </a:endParaRPr>
-          </a:p>
-        </p:txBody>
-      </p:sp>
     </p:spTree>
+    <p:extLst>
+      <p:ext uri="{BB962C8B-B14F-4D97-AF65-F5344CB8AC3E}">
+        <p14:creationId xmlns:p14="http://schemas.microsoft.com/office/powerpoint/2010/main" val="1202402250"/>
+      </p:ext>
+    </p:extLst>
   </p:cSld>
   <p:clrMapOvr>
     <a:masterClrMapping/>
   </p:clrMapOvr>
+  <p:timing>
+    <p:tnLst>
+      <p:par>
+        <p:cTn id="1" dur="indefinite" restart="never" nodeType="tmRoot"/>
+      </p:par>
+    </p:tnLst>
+  </p:timing>
 </p:sld>
 </file>
 
@@ -4193,35 +4833,55 @@
       </p:grpSpPr>
       <p:sp>
         <p:nvSpPr>
-          <p:cNvPr id="6" name="內容版面配置區 4"/>
-          <p:cNvSpPr txBox="1">
-            <a:spLocks/>
-          </p:cNvSpPr>
-          <p:nvPr/>
+          <p:cNvPr id="5" name="內容版面配置區 4"/>
+          <p:cNvSpPr>
+            <a:spLocks noGrp="1"/>
+          </p:cNvSpPr>
+          <p:nvPr>
+            <p:ph idx="1"/>
+          </p:nvPr>
         </p:nvSpPr>
         <p:spPr>
           <a:xfrm>
-            <a:off x="1524000" y="0"/>
-            <a:ext cx="9144000" cy="6858000"/>
+            <a:off x="0" y="2084851"/>
+            <a:ext cx="12192000" cy="2404863"/>
           </a:xfrm>
-          <a:prstGeom prst="rect">
-            <a:avLst/>
-          </a:prstGeom>
-          <a:noFill/>
         </p:spPr>
         <p:txBody>
-          <a:bodyPr vert="horz" lIns="91440" tIns="45720" rIns="91440" bIns="45720" rtlCol="0">
+          <a:bodyPr anchor="ctr">
             <a:normAutofit/>
           </a:bodyPr>
           <a:lstStyle/>
           <a:p>
-            <a:pPr marL="342900" indent="-342900" algn="ctr">
-              <a:spcBef>
-                <a:spcPct val="20000"/>
-              </a:spcBef>
-              <a:defRPr/>
+            <a:pPr algn="ctr">
+              <a:buNone/>
             </a:pPr>
-            <a:endParaRPr lang="zh-TW" altLang="en-US" sz="5400" b="1" dirty="0">
+            <a:r>
+              <a:rPr lang="zh-TW" altLang="en-US" sz="6400" b="1" dirty="0">
+                <a:solidFill>
+                  <a:srgbClr val="660033"/>
+                </a:solidFill>
+                <a:latin typeface="微軟正黑體" pitchFamily="34" charset="-120"/>
+                <a:ea typeface="微軟正黑體" pitchFamily="34" charset="-120"/>
+              </a:rPr>
+              <a:t>求主扶助使我康健</a:t>
+            </a:r>
+          </a:p>
+          <a:p>
+            <a:pPr algn="ctr">
+              <a:buNone/>
+            </a:pPr>
+            <a:r>
+              <a:rPr lang="zh-TW" altLang="en-US" sz="6400" b="1" dirty="0">
+                <a:solidFill>
+                  <a:srgbClr val="660033"/>
+                </a:solidFill>
+                <a:latin typeface="微軟正黑體" pitchFamily="34" charset="-120"/>
+                <a:ea typeface="微軟正黑體" pitchFamily="34" charset="-120"/>
+              </a:rPr>
+              <a:t>憑信站在屬天高原</a:t>
+            </a:r>
+            <a:endParaRPr lang="zh-TW" altLang="en-US" sz="6400" b="1" dirty="0">
               <a:solidFill>
                 <a:srgbClr val="660033"/>
               </a:solidFill>
@@ -4231,126 +4891,23 @@
           </a:p>
         </p:txBody>
       </p:sp>
-      <p:sp>
-        <p:nvSpPr>
-          <p:cNvPr id="4" name="標題 3"/>
-          <p:cNvSpPr>
-            <a:spLocks noGrp="1"/>
-          </p:cNvSpPr>
-          <p:nvPr>
-            <p:ph type="title"/>
-          </p:nvPr>
-        </p:nvSpPr>
-        <p:spPr/>
-        <p:txBody>
-          <a:bodyPr>
-            <a:normAutofit/>
-          </a:bodyPr>
-          <a:lstStyle/>
-          <a:p>
-            <a:r>
-              <a:rPr lang="zh-TW" altLang="en-US" b="1" dirty="0" smtClean="0">
-                <a:solidFill>
-                  <a:srgbClr val="660033"/>
-                </a:solidFill>
-                <a:latin typeface="微軟正黑體" pitchFamily="34" charset="-120"/>
-                <a:ea typeface="微軟正黑體" pitchFamily="34" charset="-120"/>
-              </a:rPr>
-              <a:t>向高處行</a:t>
-            </a:r>
-            <a:endParaRPr lang="zh-TW" altLang="en-US" b="1" dirty="0">
-              <a:solidFill>
-                <a:srgbClr val="660033"/>
-              </a:solidFill>
-              <a:latin typeface="微軟正黑體" pitchFamily="34" charset="-120"/>
-              <a:ea typeface="微軟正黑體" pitchFamily="34" charset="-120"/>
-            </a:endParaRPr>
-          </a:p>
-        </p:txBody>
-      </p:sp>
-      <p:sp>
-        <p:nvSpPr>
-          <p:cNvPr id="5" name="內容版面配置區 4"/>
-          <p:cNvSpPr>
-            <a:spLocks noGrp="1"/>
-          </p:cNvSpPr>
-          <p:nvPr>
-            <p:ph idx="1"/>
-          </p:nvPr>
-        </p:nvSpPr>
-        <p:spPr/>
-        <p:txBody>
-          <a:bodyPr>
-            <a:normAutofit/>
-          </a:bodyPr>
-          <a:lstStyle/>
-          <a:p>
-            <a:pPr algn="ctr">
-              <a:buNone/>
-            </a:pPr>
-            <a:r>
-              <a:rPr lang="zh-TW" altLang="en-US" sz="5400" b="1" dirty="0">
-                <a:solidFill>
-                  <a:srgbClr val="660033"/>
-                </a:solidFill>
-                <a:latin typeface="微軟正黑體" pitchFamily="34" charset="-120"/>
-                <a:ea typeface="微軟正黑體" pitchFamily="34" charset="-120"/>
-              </a:rPr>
-              <a:t>求主扶助使我康健</a:t>
-            </a:r>
-          </a:p>
-          <a:p>
-            <a:pPr algn="ctr">
-              <a:buNone/>
-            </a:pPr>
-            <a:r>
-              <a:rPr lang="zh-TW" altLang="en-US" sz="5400" b="1" dirty="0">
-                <a:solidFill>
-                  <a:srgbClr val="660033"/>
-                </a:solidFill>
-                <a:latin typeface="微軟正黑體" pitchFamily="34" charset="-120"/>
-                <a:ea typeface="微軟正黑體" pitchFamily="34" charset="-120"/>
-              </a:rPr>
-              <a:t>憑信站在屬天高原</a:t>
-            </a:r>
-          </a:p>
-          <a:p>
-            <a:pPr algn="ctr">
-              <a:buNone/>
-            </a:pPr>
-            <a:r>
-              <a:rPr lang="zh-TW" altLang="en-US" sz="5400" b="1" dirty="0">
-                <a:solidFill>
-                  <a:srgbClr val="660033"/>
-                </a:solidFill>
-                <a:latin typeface="微軟正黑體" pitchFamily="34" charset="-120"/>
-                <a:ea typeface="微軟正黑體" pitchFamily="34" charset="-120"/>
-              </a:rPr>
-              <a:t>使我逐日所處地位</a:t>
-            </a:r>
-          </a:p>
-          <a:p>
-            <a:pPr algn="ctr">
-              <a:buNone/>
-            </a:pPr>
-            <a:r>
-              <a:rPr lang="zh-TW" altLang="en-US" sz="5400" b="1" dirty="0">
-                <a:solidFill>
-                  <a:srgbClr val="660033"/>
-                </a:solidFill>
-                <a:latin typeface="微軟正黑體" pitchFamily="34" charset="-120"/>
-                <a:ea typeface="微軟正黑體" pitchFamily="34" charset="-120"/>
-              </a:rPr>
-              <a:t>較之往日有進無退</a:t>
-            </a:r>
-          </a:p>
-        </p:txBody>
-      </p:sp>
     </p:spTree>
+    <p:extLst>
+      <p:ext uri="{BB962C8B-B14F-4D97-AF65-F5344CB8AC3E}">
+        <p14:creationId xmlns:p14="http://schemas.microsoft.com/office/powerpoint/2010/main" val="3754916697"/>
+      </p:ext>
+    </p:extLst>
   </p:cSld>
   <p:clrMapOvr>
     <a:masterClrMapping/>
   </p:clrMapOvr>
+  <p:timing>
+    <p:tnLst>
+      <p:par>
+        <p:cTn id="1" dur="indefinite" restart="never" nodeType="tmRoot"/>
+      </p:par>
+    </p:tnLst>
+  </p:timing>
 </p:sld>
 </file>
 
@@ -4373,35 +4930,55 @@
       </p:grpSpPr>
       <p:sp>
         <p:nvSpPr>
-          <p:cNvPr id="6" name="內容版面配置區 4"/>
-          <p:cNvSpPr txBox="1">
-            <a:spLocks/>
-          </p:cNvSpPr>
-          <p:nvPr/>
+          <p:cNvPr id="5" name="內容版面配置區 4"/>
+          <p:cNvSpPr>
+            <a:spLocks noGrp="1"/>
+          </p:cNvSpPr>
+          <p:nvPr>
+            <p:ph idx="1"/>
+          </p:nvPr>
         </p:nvSpPr>
         <p:spPr>
           <a:xfrm>
-            <a:off x="1524000" y="0"/>
-            <a:ext cx="9144000" cy="6858000"/>
+            <a:off x="0" y="2084851"/>
+            <a:ext cx="12192000" cy="2404863"/>
           </a:xfrm>
-          <a:prstGeom prst="rect">
-            <a:avLst/>
-          </a:prstGeom>
-          <a:noFill/>
         </p:spPr>
         <p:txBody>
-          <a:bodyPr vert="horz" lIns="91440" tIns="45720" rIns="91440" bIns="45720" rtlCol="0">
+          <a:bodyPr anchor="ctr">
             <a:normAutofit/>
           </a:bodyPr>
           <a:lstStyle/>
           <a:p>
-            <a:pPr marL="342900" indent="-342900" algn="ctr">
-              <a:spcBef>
-                <a:spcPct val="20000"/>
-              </a:spcBef>
-              <a:defRPr/>
+            <a:pPr algn="ctr">
+              <a:buNone/>
             </a:pPr>
-            <a:endParaRPr lang="zh-TW" altLang="en-US" sz="5400" b="1" dirty="0">
+            <a:r>
+              <a:rPr lang="zh-TW" altLang="en-US" sz="6400" b="1" dirty="0">
+                <a:solidFill>
+                  <a:srgbClr val="660033"/>
+                </a:solidFill>
+                <a:latin typeface="微軟正黑體" pitchFamily="34" charset="-120"/>
+                <a:ea typeface="微軟正黑體" pitchFamily="34" charset="-120"/>
+              </a:rPr>
+              <a:t>使我逐日所處地位</a:t>
+            </a:r>
+          </a:p>
+          <a:p>
+            <a:pPr algn="ctr">
+              <a:buNone/>
+            </a:pPr>
+            <a:r>
+              <a:rPr lang="zh-TW" altLang="en-US" sz="6400" b="1" dirty="0">
+                <a:solidFill>
+                  <a:srgbClr val="660033"/>
+                </a:solidFill>
+                <a:latin typeface="微軟正黑體" pitchFamily="34" charset="-120"/>
+                <a:ea typeface="微軟正黑體" pitchFamily="34" charset="-120"/>
+              </a:rPr>
+              <a:t>較之往日有進無退</a:t>
+            </a:r>
+            <a:endParaRPr lang="zh-TW" altLang="en-US" sz="6400" b="1" dirty="0">
               <a:solidFill>
                 <a:srgbClr val="660033"/>
               </a:solidFill>
@@ -4411,172 +4988,23 @@
           </a:p>
         </p:txBody>
       </p:sp>
-      <p:sp>
-        <p:nvSpPr>
-          <p:cNvPr id="4" name="標題 3"/>
-          <p:cNvSpPr>
-            <a:spLocks noGrp="1"/>
-          </p:cNvSpPr>
-          <p:nvPr>
-            <p:ph type="title"/>
-          </p:nvPr>
-        </p:nvSpPr>
-        <p:spPr/>
-        <p:txBody>
-          <a:bodyPr>
-            <a:normAutofit/>
-          </a:bodyPr>
-          <a:lstStyle/>
-          <a:p>
-            <a:r>
-              <a:rPr lang="zh-TW" altLang="en-US" b="1" dirty="0" smtClean="0">
-                <a:solidFill>
-                  <a:srgbClr val="660033"/>
-                </a:solidFill>
-                <a:latin typeface="微軟正黑體" pitchFamily="34" charset="-120"/>
-                <a:ea typeface="微軟正黑體" pitchFamily="34" charset="-120"/>
-              </a:rPr>
-              <a:t>向高處行</a:t>
-            </a:r>
-            <a:endParaRPr lang="zh-TW" altLang="en-US" b="1" dirty="0">
-              <a:solidFill>
-                <a:srgbClr val="660033"/>
-              </a:solidFill>
-              <a:latin typeface="微軟正黑體" pitchFamily="34" charset="-120"/>
-              <a:ea typeface="微軟正黑體" pitchFamily="34" charset="-120"/>
-            </a:endParaRPr>
-          </a:p>
-        </p:txBody>
-      </p:sp>
-      <p:sp>
-        <p:nvSpPr>
-          <p:cNvPr id="5" name="內容版面配置區 4"/>
-          <p:cNvSpPr>
-            <a:spLocks noGrp="1"/>
-          </p:cNvSpPr>
-          <p:nvPr>
-            <p:ph idx="1"/>
-          </p:nvPr>
-        </p:nvSpPr>
-        <p:spPr/>
-        <p:txBody>
-          <a:bodyPr>
-            <a:normAutofit/>
-          </a:bodyPr>
-          <a:lstStyle/>
-          <a:p>
-            <a:pPr algn="ctr">
-              <a:buNone/>
-            </a:pPr>
-            <a:r>
-              <a:rPr lang="zh-TW" altLang="en-US" sz="5400" b="1" dirty="0">
-                <a:solidFill>
-                  <a:srgbClr val="660033"/>
-                </a:solidFill>
-                <a:latin typeface="微軟正黑體" pitchFamily="34" charset="-120"/>
-                <a:ea typeface="微軟正黑體" pitchFamily="34" charset="-120"/>
-              </a:rPr>
-              <a:t>我願離開屬世行為</a:t>
-            </a:r>
-          </a:p>
-          <a:p>
-            <a:pPr algn="ctr">
-              <a:buNone/>
-            </a:pPr>
-            <a:r>
-              <a:rPr lang="zh-TW" altLang="en-US" sz="5400" b="1" dirty="0">
-                <a:solidFill>
-                  <a:srgbClr val="660033"/>
-                </a:solidFill>
-                <a:latin typeface="微軟正黑體" pitchFamily="34" charset="-120"/>
-                <a:ea typeface="微軟正黑體" pitchFamily="34" charset="-120"/>
-              </a:rPr>
-              <a:t>魔鬼利劍非我所畏</a:t>
-            </a:r>
-          </a:p>
-          <a:p>
-            <a:pPr algn="ctr">
-              <a:buNone/>
-            </a:pPr>
-            <a:r>
-              <a:rPr lang="zh-TW" altLang="en-US" sz="5400" b="1" dirty="0">
-                <a:solidFill>
-                  <a:srgbClr val="660033"/>
-                </a:solidFill>
-                <a:latin typeface="微軟正黑體" pitchFamily="34" charset="-120"/>
-                <a:ea typeface="微軟正黑體" pitchFamily="34" charset="-120"/>
-              </a:rPr>
-              <a:t>憑著信心常聞天歌</a:t>
-            </a:r>
-          </a:p>
-          <a:p>
-            <a:pPr algn="ctr">
-              <a:buNone/>
-            </a:pPr>
-            <a:r>
-              <a:rPr lang="zh-TW" altLang="en-US" sz="5400" b="1" dirty="0">
-                <a:solidFill>
-                  <a:srgbClr val="660033"/>
-                </a:solidFill>
-                <a:latin typeface="微軟正黑體" pitchFamily="34" charset="-120"/>
-                <a:ea typeface="微軟正黑體" pitchFamily="34" charset="-120"/>
-              </a:rPr>
-              <a:t>妙音佳調使我快樂</a:t>
-            </a:r>
-          </a:p>
-        </p:txBody>
-      </p:sp>
-      <p:sp>
-        <p:nvSpPr>
-          <p:cNvPr id="7" name="TextBox 6"/>
-          <p:cNvSpPr txBox="1"/>
-          <p:nvPr/>
-        </p:nvSpPr>
-        <p:spPr>
-          <a:xfrm>
-            <a:off x="1091952" y="1692276"/>
-            <a:ext cx="864096" cy="923330"/>
-          </a:xfrm>
-          <a:prstGeom prst="rect">
-            <a:avLst/>
-          </a:prstGeom>
-          <a:noFill/>
-        </p:spPr>
-        <p:txBody>
-          <a:bodyPr wrap="square" rtlCol="0">
-            <a:spAutoFit/>
-          </a:bodyPr>
-          <a:lstStyle/>
-          <a:p>
-            <a:r>
-              <a:rPr lang="en-US" sz="5400" b="1" dirty="0">
-                <a:solidFill>
-                  <a:srgbClr val="660033"/>
-                </a:solidFill>
-              </a:rPr>
-              <a:t>3</a:t>
-            </a:r>
-            <a:r>
-              <a:rPr lang="en-US" sz="5400" b="1" dirty="0" smtClean="0">
-                <a:solidFill>
-                  <a:srgbClr val="660033"/>
-                </a:solidFill>
-              </a:rPr>
-              <a:t>.</a:t>
-            </a:r>
-            <a:endParaRPr lang="vi-VN" sz="5400" b="1" dirty="0">
-              <a:solidFill>
-                <a:srgbClr val="660033"/>
-              </a:solidFill>
-            </a:endParaRPr>
-          </a:p>
-        </p:txBody>
-      </p:sp>
     </p:spTree>
+    <p:extLst>
+      <p:ext uri="{BB962C8B-B14F-4D97-AF65-F5344CB8AC3E}">
+        <p14:creationId xmlns:p14="http://schemas.microsoft.com/office/powerpoint/2010/main" val="4113130741"/>
+      </p:ext>
+    </p:extLst>
   </p:cSld>
   <p:clrMapOvr>
     <a:masterClrMapping/>
   </p:clrMapOvr>
+  <p:timing>
+    <p:tnLst>
+      <p:par>
+        <p:cTn id="1" dur="indefinite" restart="never" nodeType="tmRoot"/>
+      </p:par>
+    </p:tnLst>
+  </p:timing>
 </p:sld>
 </file>
 
@@ -4599,16 +5027,74 @@
       </p:grpSpPr>
       <p:sp>
         <p:nvSpPr>
-          <p:cNvPr id="6" name="內容版面配置區 4"/>
-          <p:cNvSpPr txBox="1">
-            <a:spLocks/>
-          </p:cNvSpPr>
-          <p:nvPr/>
+          <p:cNvPr id="5" name="內容版面配置區 4"/>
+          <p:cNvSpPr>
+            <a:spLocks noGrp="1"/>
+          </p:cNvSpPr>
+          <p:nvPr>
+            <p:ph idx="1"/>
+          </p:nvPr>
         </p:nvSpPr>
         <p:spPr>
           <a:xfrm>
-            <a:off x="1524000" y="0"/>
-            <a:ext cx="9144000" cy="6858000"/>
+            <a:off x="0" y="2084851"/>
+            <a:ext cx="12192000" cy="2404863"/>
+          </a:xfrm>
+        </p:spPr>
+        <p:txBody>
+          <a:bodyPr anchor="ctr">
+            <a:normAutofit/>
+          </a:bodyPr>
+          <a:lstStyle/>
+          <a:p>
+            <a:pPr algn="ctr">
+              <a:buNone/>
+            </a:pPr>
+            <a:r>
+              <a:rPr lang="zh-TW" altLang="en-US" sz="6400" b="1" dirty="0">
+                <a:solidFill>
+                  <a:srgbClr val="660033"/>
+                </a:solidFill>
+                <a:latin typeface="微軟正黑體" pitchFamily="34" charset="-120"/>
+                <a:ea typeface="微軟正黑體" pitchFamily="34" charset="-120"/>
+              </a:rPr>
+              <a:t>世上常有疑慮恐怖</a:t>
+            </a:r>
+          </a:p>
+          <a:p>
+            <a:pPr algn="ctr">
+              <a:buNone/>
+            </a:pPr>
+            <a:r>
+              <a:rPr lang="zh-TW" altLang="en-US" sz="6400" b="1" dirty="0">
+                <a:solidFill>
+                  <a:srgbClr val="660033"/>
+                </a:solidFill>
+                <a:latin typeface="微軟正黑體" pitchFamily="34" charset="-120"/>
+                <a:ea typeface="微軟正黑體" pitchFamily="34" charset="-120"/>
+              </a:rPr>
+              <a:t>非我所要久居之都</a:t>
+            </a:r>
+            <a:endParaRPr lang="zh-TW" altLang="en-US" sz="6400" b="1" dirty="0">
+              <a:solidFill>
+                <a:srgbClr val="660033"/>
+              </a:solidFill>
+              <a:latin typeface="微軟正黑體" pitchFamily="34" charset="-120"/>
+              <a:ea typeface="微軟正黑體" pitchFamily="34" charset="-120"/>
+            </a:endParaRPr>
+          </a:p>
+        </p:txBody>
+      </p:sp>
+      <p:sp>
+        <p:nvSpPr>
+          <p:cNvPr id="3" name="TextBox 2"/>
+          <p:cNvSpPr txBox="1"/>
+          <p:nvPr/>
+        </p:nvSpPr>
+        <p:spPr>
+          <a:xfrm>
+            <a:off x="0" y="5061182"/>
+            <a:ext cx="12192000" cy="830997"/>
           </a:xfrm>
           <a:prstGeom prst="rect">
             <a:avLst/>
@@ -4616,147 +5102,47 @@
           <a:noFill/>
         </p:spPr>
         <p:txBody>
-          <a:bodyPr vert="horz" lIns="91440" tIns="45720" rIns="91440" bIns="45720" rtlCol="0">
-            <a:normAutofit/>
+          <a:bodyPr wrap="square" rtlCol="0">
+            <a:spAutoFit/>
           </a:bodyPr>
           <a:lstStyle/>
           <a:p>
-            <a:pPr marL="342900" indent="-342900" algn="ctr">
-              <a:spcBef>
-                <a:spcPct val="20000"/>
-              </a:spcBef>
-              <a:defRPr/>
-            </a:pPr>
-            <a:endParaRPr lang="zh-TW" altLang="en-US" sz="5400" b="1" dirty="0">
+            <a:pPr algn="ctr"/>
+            <a:r>
+              <a:rPr lang="en-US" sz="4800" b="1" dirty="0">
+                <a:solidFill>
+                  <a:srgbClr val="660033"/>
+                </a:solidFill>
+                <a:effectLst/>
+              </a:rPr>
+              <a:t>( 2 )</a:t>
+            </a:r>
+            <a:endParaRPr lang="vi-VN" sz="4800" b="1" dirty="0">
               <a:solidFill>
                 <a:srgbClr val="660033"/>
               </a:solidFill>
-              <a:latin typeface="微軟正黑體" pitchFamily="34" charset="-120"/>
-              <a:ea typeface="微軟正黑體" pitchFamily="34" charset="-120"/>
+              <a:effectLst/>
             </a:endParaRPr>
           </a:p>
         </p:txBody>
       </p:sp>
-      <p:sp>
-        <p:nvSpPr>
-          <p:cNvPr id="4" name="標題 3"/>
-          <p:cNvSpPr>
-            <a:spLocks noGrp="1"/>
-          </p:cNvSpPr>
-          <p:nvPr>
-            <p:ph type="title"/>
-          </p:nvPr>
-        </p:nvSpPr>
-        <p:spPr/>
-        <p:txBody>
-          <a:bodyPr>
-            <a:normAutofit/>
-          </a:bodyPr>
-          <a:lstStyle/>
-          <a:p>
-            <a:r>
-              <a:rPr lang="zh-TW" altLang="en-US" b="1" dirty="0" smtClean="0">
-                <a:solidFill>
-                  <a:srgbClr val="660033"/>
-                </a:solidFill>
-                <a:latin typeface="微軟正黑體" pitchFamily="34" charset="-120"/>
-                <a:ea typeface="微軟正黑體" pitchFamily="34" charset="-120"/>
-              </a:rPr>
-              <a:t>向高處行</a:t>
-            </a:r>
-            <a:endParaRPr lang="zh-TW" altLang="en-US" b="1" dirty="0">
-              <a:solidFill>
-                <a:srgbClr val="660033"/>
-              </a:solidFill>
-              <a:latin typeface="微軟正黑體" pitchFamily="34" charset="-120"/>
-              <a:ea typeface="微軟正黑體" pitchFamily="34" charset="-120"/>
-            </a:endParaRPr>
-          </a:p>
-        </p:txBody>
-      </p:sp>
-      <p:sp>
-        <p:nvSpPr>
-          <p:cNvPr id="5" name="內容版面配置區 4"/>
-          <p:cNvSpPr>
-            <a:spLocks noGrp="1"/>
-          </p:cNvSpPr>
-          <p:nvPr>
-            <p:ph idx="1"/>
-          </p:nvPr>
-        </p:nvSpPr>
-        <p:spPr/>
-        <p:txBody>
-          <a:bodyPr>
-            <a:normAutofit/>
-          </a:bodyPr>
-          <a:lstStyle/>
-          <a:p>
-            <a:pPr algn="ctr">
-              <a:buNone/>
-            </a:pPr>
-            <a:r>
-              <a:rPr lang="zh-TW" altLang="en-US" sz="5400" b="1" dirty="0">
-                <a:solidFill>
-                  <a:srgbClr val="660033"/>
-                </a:solidFill>
-                <a:latin typeface="微軟正黑體" pitchFamily="34" charset="-120"/>
-                <a:ea typeface="微軟正黑體" pitchFamily="34" charset="-120"/>
-              </a:rPr>
-              <a:t>求主扶助使我康健</a:t>
-            </a:r>
-          </a:p>
-          <a:p>
-            <a:pPr algn="ctr">
-              <a:buNone/>
-            </a:pPr>
-            <a:r>
-              <a:rPr lang="zh-TW" altLang="en-US" sz="5400" b="1" dirty="0">
-                <a:solidFill>
-                  <a:srgbClr val="660033"/>
-                </a:solidFill>
-                <a:latin typeface="微軟正黑體" pitchFamily="34" charset="-120"/>
-                <a:ea typeface="微軟正黑體" pitchFamily="34" charset="-120"/>
-              </a:rPr>
-              <a:t>憑信站在屬天高原</a:t>
-            </a:r>
-          </a:p>
-          <a:p>
-            <a:pPr algn="ctr">
-              <a:buNone/>
-            </a:pPr>
-            <a:r>
-              <a:rPr lang="zh-TW" altLang="en-US" sz="5400" b="1" dirty="0">
-                <a:solidFill>
-                  <a:srgbClr val="660033"/>
-                </a:solidFill>
-                <a:latin typeface="微軟正黑體" pitchFamily="34" charset="-120"/>
-                <a:ea typeface="微軟正黑體" pitchFamily="34" charset="-120"/>
-              </a:rPr>
-              <a:t>使我逐日所處地位</a:t>
-            </a:r>
-          </a:p>
-          <a:p>
-            <a:pPr algn="ctr">
-              <a:buNone/>
-            </a:pPr>
-            <a:r>
-              <a:rPr lang="zh-TW" altLang="en-US" sz="5400" b="1" dirty="0">
-                <a:solidFill>
-                  <a:srgbClr val="660033"/>
-                </a:solidFill>
-                <a:latin typeface="微軟正黑體" pitchFamily="34" charset="-120"/>
-                <a:ea typeface="微軟正黑體" pitchFamily="34" charset="-120"/>
-              </a:rPr>
-              <a:t>較之往日有進無退</a:t>
-            </a:r>
-          </a:p>
-        </p:txBody>
-      </p:sp>
     </p:spTree>
+    <p:extLst>
+      <p:ext uri="{BB962C8B-B14F-4D97-AF65-F5344CB8AC3E}">
+        <p14:creationId xmlns:p14="http://schemas.microsoft.com/office/powerpoint/2010/main" val="4262512410"/>
+      </p:ext>
+    </p:extLst>
   </p:cSld>
   <p:clrMapOvr>
     <a:masterClrMapping/>
   </p:clrMapOvr>
+  <p:timing>
+    <p:tnLst>
+      <p:par>
+        <p:cTn id="1" dur="indefinite" restart="never" nodeType="tmRoot"/>
+      </p:par>
+    </p:tnLst>
+  </p:timing>
 </p:sld>
 </file>
 
@@ -4779,16 +5165,74 @@
       </p:grpSpPr>
       <p:sp>
         <p:nvSpPr>
-          <p:cNvPr id="6" name="內容版面配置區 4"/>
-          <p:cNvSpPr txBox="1">
-            <a:spLocks/>
-          </p:cNvSpPr>
-          <p:nvPr/>
+          <p:cNvPr id="5" name="內容版面配置區 4"/>
+          <p:cNvSpPr>
+            <a:spLocks noGrp="1"/>
+          </p:cNvSpPr>
+          <p:nvPr>
+            <p:ph idx="1"/>
+          </p:nvPr>
         </p:nvSpPr>
         <p:spPr>
           <a:xfrm>
-            <a:off x="1524000" y="0"/>
-            <a:ext cx="9144000" cy="6858000"/>
+            <a:off x="0" y="2084851"/>
+            <a:ext cx="12192000" cy="2404863"/>
+          </a:xfrm>
+        </p:spPr>
+        <p:txBody>
+          <a:bodyPr anchor="ctr">
+            <a:normAutofit/>
+          </a:bodyPr>
+          <a:lstStyle/>
+          <a:p>
+            <a:pPr algn="ctr">
+              <a:buNone/>
+            </a:pPr>
+            <a:r>
+              <a:rPr lang="zh-TW" altLang="en-US" sz="6400" b="1" dirty="0">
+                <a:solidFill>
+                  <a:srgbClr val="660033"/>
+                </a:solidFill>
+                <a:latin typeface="微軟正黑體" pitchFamily="34" charset="-120"/>
+                <a:ea typeface="微軟正黑體" pitchFamily="34" charset="-120"/>
+              </a:rPr>
+              <a:t>別人或願宮室久居</a:t>
+            </a:r>
+          </a:p>
+          <a:p>
+            <a:pPr algn="ctr">
+              <a:buNone/>
+            </a:pPr>
+            <a:r>
+              <a:rPr lang="zh-TW" altLang="en-US" sz="6400" b="1" dirty="0">
+                <a:solidFill>
+                  <a:srgbClr val="660033"/>
+                </a:solidFill>
+                <a:latin typeface="微軟正黑體" pitchFamily="34" charset="-120"/>
+                <a:ea typeface="微軟正黑體" pitchFamily="34" charset="-120"/>
+              </a:rPr>
+              <a:t>但我目注更美之地</a:t>
+            </a:r>
+            <a:endParaRPr lang="zh-TW" altLang="en-US" sz="6400" b="1" dirty="0">
+              <a:solidFill>
+                <a:srgbClr val="660033"/>
+              </a:solidFill>
+              <a:latin typeface="微軟正黑體" pitchFamily="34" charset="-120"/>
+              <a:ea typeface="微軟正黑體" pitchFamily="34" charset="-120"/>
+            </a:endParaRPr>
+          </a:p>
+        </p:txBody>
+      </p:sp>
+      <p:sp>
+        <p:nvSpPr>
+          <p:cNvPr id="3" name="TextBox 2"/>
+          <p:cNvSpPr txBox="1"/>
+          <p:nvPr/>
+        </p:nvSpPr>
+        <p:spPr>
+          <a:xfrm>
+            <a:off x="0" y="5061182"/>
+            <a:ext cx="12192000" cy="830997"/>
           </a:xfrm>
           <a:prstGeom prst="rect">
             <a:avLst/>
@@ -4796,193 +5240,47 @@
           <a:noFill/>
         </p:spPr>
         <p:txBody>
-          <a:bodyPr vert="horz" lIns="91440" tIns="45720" rIns="91440" bIns="45720" rtlCol="0">
-            <a:normAutofit/>
+          <a:bodyPr wrap="square" rtlCol="0">
+            <a:spAutoFit/>
           </a:bodyPr>
           <a:lstStyle/>
           <a:p>
-            <a:pPr marL="342900" indent="-342900" algn="ctr">
-              <a:spcBef>
-                <a:spcPct val="20000"/>
-              </a:spcBef>
-              <a:defRPr/>
-            </a:pPr>
-            <a:endParaRPr lang="zh-TW" altLang="en-US" sz="5400" b="1" dirty="0">
+            <a:pPr algn="ctr"/>
+            <a:r>
+              <a:rPr lang="en-US" sz="4800" b="1" dirty="0">
+                <a:solidFill>
+                  <a:srgbClr val="660033"/>
+                </a:solidFill>
+                <a:effectLst/>
+              </a:rPr>
+              <a:t>( 2 )</a:t>
+            </a:r>
+            <a:endParaRPr lang="vi-VN" sz="4800" b="1" dirty="0">
               <a:solidFill>
                 <a:srgbClr val="660033"/>
               </a:solidFill>
-              <a:latin typeface="微軟正黑體" pitchFamily="34" charset="-120"/>
-              <a:ea typeface="微軟正黑體" pitchFamily="34" charset="-120"/>
+              <a:effectLst/>
             </a:endParaRPr>
           </a:p>
         </p:txBody>
       </p:sp>
-      <p:sp>
-        <p:nvSpPr>
-          <p:cNvPr id="4" name="標題 3"/>
-          <p:cNvSpPr>
-            <a:spLocks noGrp="1"/>
-          </p:cNvSpPr>
-          <p:nvPr>
-            <p:ph type="title"/>
-          </p:nvPr>
-        </p:nvSpPr>
-        <p:spPr/>
-        <p:txBody>
-          <a:bodyPr>
-            <a:normAutofit/>
-          </a:bodyPr>
-          <a:lstStyle/>
-          <a:p>
-            <a:r>
-              <a:rPr lang="zh-TW" altLang="en-US" b="1" dirty="0" smtClean="0">
-                <a:solidFill>
-                  <a:srgbClr val="660033"/>
-                </a:solidFill>
-                <a:latin typeface="微軟正黑體" pitchFamily="34" charset="-120"/>
-                <a:ea typeface="微軟正黑體" pitchFamily="34" charset="-120"/>
-              </a:rPr>
-              <a:t>向高處行</a:t>
-            </a:r>
-            <a:endParaRPr lang="zh-TW" altLang="en-US" b="1" dirty="0">
-              <a:solidFill>
-                <a:srgbClr val="660033"/>
-              </a:solidFill>
-              <a:latin typeface="微軟正黑體" pitchFamily="34" charset="-120"/>
-              <a:ea typeface="微軟正黑體" pitchFamily="34" charset="-120"/>
-            </a:endParaRPr>
-          </a:p>
-        </p:txBody>
-      </p:sp>
-      <p:sp>
-        <p:nvSpPr>
-          <p:cNvPr id="5" name="內容版面配置區 4"/>
-          <p:cNvSpPr>
-            <a:spLocks noGrp="1"/>
-          </p:cNvSpPr>
-          <p:nvPr>
-            <p:ph idx="1"/>
-          </p:nvPr>
-        </p:nvSpPr>
-        <p:spPr/>
-        <p:txBody>
-          <a:bodyPr>
-            <a:normAutofit/>
-          </a:bodyPr>
-          <a:lstStyle/>
-          <a:p>
-            <a:pPr algn="ctr">
-              <a:buNone/>
-            </a:pPr>
-            <a:r>
-              <a:rPr lang="zh-TW" altLang="en-US" sz="5400" b="1" dirty="0">
-                <a:solidFill>
-                  <a:srgbClr val="660033"/>
-                </a:solidFill>
-                <a:latin typeface="微軟正黑體" pitchFamily="34" charset="-120"/>
-                <a:ea typeface="微軟正黑體" pitchFamily="34" charset="-120"/>
-              </a:rPr>
-              <a:t>我深願向最高處行</a:t>
-            </a:r>
-          </a:p>
-          <a:p>
-            <a:pPr algn="ctr">
-              <a:buNone/>
-            </a:pPr>
-            <a:r>
-              <a:rPr lang="zh-TW" altLang="en-US" sz="5400" b="1" dirty="0">
-                <a:solidFill>
-                  <a:srgbClr val="660033"/>
-                </a:solidFill>
-                <a:latin typeface="微軟正黑體" pitchFamily="34" charset="-120"/>
-                <a:ea typeface="微軟正黑體" pitchFamily="34" charset="-120"/>
-              </a:rPr>
-              <a:t>渴慕得見榮光美景</a:t>
-            </a:r>
-          </a:p>
-          <a:p>
-            <a:pPr algn="ctr">
-              <a:buNone/>
-            </a:pPr>
-            <a:r>
-              <a:rPr lang="zh-TW" altLang="en-US" sz="5400" b="1" dirty="0">
-                <a:solidFill>
-                  <a:srgbClr val="660033"/>
-                </a:solidFill>
-                <a:latin typeface="微軟正黑體" pitchFamily="34" charset="-120"/>
-                <a:ea typeface="微軟正黑體" pitchFamily="34" charset="-120"/>
-              </a:rPr>
-              <a:t>不住祈求直到天庭</a:t>
-            </a:r>
-          </a:p>
-          <a:p>
-            <a:pPr algn="ctr">
-              <a:buNone/>
-            </a:pPr>
-            <a:r>
-              <a:rPr lang="zh-TW" altLang="en-US" sz="5400" b="1" dirty="0">
-                <a:solidFill>
-                  <a:srgbClr val="660033"/>
-                </a:solidFill>
-                <a:latin typeface="微軟正黑體" pitchFamily="34" charset="-120"/>
-                <a:ea typeface="微軟正黑體" pitchFamily="34" charset="-120"/>
-              </a:rPr>
-              <a:t>求主領我向高處行</a:t>
-            </a:r>
-          </a:p>
-        </p:txBody>
-      </p:sp>
-      <p:sp>
-        <p:nvSpPr>
-          <p:cNvPr id="7" name="TextBox 6"/>
-          <p:cNvSpPr txBox="1"/>
-          <p:nvPr/>
-        </p:nvSpPr>
-        <p:spPr>
-          <a:xfrm>
-            <a:off x="1091952" y="1692276"/>
-            <a:ext cx="864096" cy="923330"/>
-          </a:xfrm>
-          <a:prstGeom prst="rect">
-            <a:avLst/>
-          </a:prstGeom>
-          <a:noFill/>
-        </p:spPr>
-        <p:txBody>
-          <a:bodyPr wrap="square" rtlCol="0">
-            <a:spAutoFit/>
-          </a:bodyPr>
-          <a:lstStyle/>
-          <a:p>
-            <a:r>
-              <a:rPr lang="en-US" sz="5400" b="1" dirty="0">
-                <a:solidFill>
-                  <a:srgbClr val="660033"/>
-                </a:solidFill>
-              </a:rPr>
-              <a:t>4</a:t>
-            </a:r>
-            <a:r>
-              <a:rPr lang="en-US" sz="5400" b="1" dirty="0" smtClean="0">
-                <a:solidFill>
-                  <a:srgbClr val="660033"/>
-                </a:solidFill>
-              </a:rPr>
-              <a:t>.</a:t>
-            </a:r>
-            <a:endParaRPr lang="vi-VN" sz="5400" b="1" dirty="0">
-              <a:solidFill>
-                <a:srgbClr val="660033"/>
-              </a:solidFill>
-            </a:endParaRPr>
-          </a:p>
-        </p:txBody>
-      </p:sp>
     </p:spTree>
+    <p:extLst>
+      <p:ext uri="{BB962C8B-B14F-4D97-AF65-F5344CB8AC3E}">
+        <p14:creationId xmlns:p14="http://schemas.microsoft.com/office/powerpoint/2010/main" val="3816971260"/>
+      </p:ext>
+    </p:extLst>
   </p:cSld>
   <p:clrMapOvr>
     <a:masterClrMapping/>
   </p:clrMapOvr>
+  <p:timing>
+    <p:tnLst>
+      <p:par>
+        <p:cTn id="1" dur="indefinite" restart="never" nodeType="tmRoot"/>
+      </p:par>
+    </p:tnLst>
+  </p:timing>
 </p:sld>
 </file>
 
@@ -5005,35 +5303,55 @@
       </p:grpSpPr>
       <p:sp>
         <p:nvSpPr>
-          <p:cNvPr id="6" name="內容版面配置區 4"/>
-          <p:cNvSpPr txBox="1">
-            <a:spLocks/>
-          </p:cNvSpPr>
-          <p:nvPr/>
+          <p:cNvPr id="5" name="內容版面配置區 4"/>
+          <p:cNvSpPr>
+            <a:spLocks noGrp="1"/>
+          </p:cNvSpPr>
+          <p:nvPr>
+            <p:ph idx="1"/>
+          </p:nvPr>
         </p:nvSpPr>
         <p:spPr>
           <a:xfrm>
-            <a:off x="1524000" y="0"/>
-            <a:ext cx="9144000" cy="6858000"/>
+            <a:off x="0" y="2084851"/>
+            <a:ext cx="12192000" cy="2404863"/>
           </a:xfrm>
-          <a:prstGeom prst="rect">
-            <a:avLst/>
-          </a:prstGeom>
-          <a:noFill/>
         </p:spPr>
         <p:txBody>
-          <a:bodyPr vert="horz" lIns="91440" tIns="45720" rIns="91440" bIns="45720" rtlCol="0">
+          <a:bodyPr anchor="ctr">
             <a:normAutofit/>
           </a:bodyPr>
           <a:lstStyle/>
           <a:p>
-            <a:pPr marL="342900" indent="-342900" algn="ctr">
-              <a:spcBef>
-                <a:spcPct val="20000"/>
-              </a:spcBef>
-              <a:defRPr/>
+            <a:pPr algn="ctr">
+              <a:buNone/>
             </a:pPr>
-            <a:endParaRPr lang="zh-TW" altLang="en-US" sz="5400" b="1" dirty="0">
+            <a:r>
+              <a:rPr lang="zh-TW" altLang="en-US" sz="6400" b="1" dirty="0">
+                <a:solidFill>
+                  <a:srgbClr val="660033"/>
+                </a:solidFill>
+                <a:latin typeface="微軟正黑體" pitchFamily="34" charset="-120"/>
+                <a:ea typeface="微軟正黑體" pitchFamily="34" charset="-120"/>
+              </a:rPr>
+              <a:t>求主扶助使我康健</a:t>
+            </a:r>
+          </a:p>
+          <a:p>
+            <a:pPr algn="ctr">
+              <a:buNone/>
+            </a:pPr>
+            <a:r>
+              <a:rPr lang="zh-TW" altLang="en-US" sz="6400" b="1" dirty="0">
+                <a:solidFill>
+                  <a:srgbClr val="660033"/>
+                </a:solidFill>
+                <a:latin typeface="微軟正黑體" pitchFamily="34" charset="-120"/>
+                <a:ea typeface="微軟正黑體" pitchFamily="34" charset="-120"/>
+              </a:rPr>
+              <a:t>憑信站在屬天高原</a:t>
+            </a:r>
+            <a:endParaRPr lang="zh-TW" altLang="en-US" sz="6400" b="1" dirty="0">
               <a:solidFill>
                 <a:srgbClr val="660033"/>
               </a:solidFill>
@@ -5043,34 +5361,94 @@
           </a:p>
         </p:txBody>
       </p:sp>
-      <p:sp>
-        <p:nvSpPr>
-          <p:cNvPr id="4" name="標題 3"/>
-          <p:cNvSpPr>
-            <a:spLocks noGrp="1"/>
-          </p:cNvSpPr>
-          <p:nvPr>
-            <p:ph type="title"/>
-          </p:nvPr>
-        </p:nvSpPr>
-        <p:spPr/>
-        <p:txBody>
-          <a:bodyPr>
+    </p:spTree>
+    <p:extLst>
+      <p:ext uri="{BB962C8B-B14F-4D97-AF65-F5344CB8AC3E}">
+        <p14:creationId xmlns:p14="http://schemas.microsoft.com/office/powerpoint/2010/main" val="2111732982"/>
+      </p:ext>
+    </p:extLst>
+  </p:cSld>
+  <p:clrMapOvr>
+    <a:masterClrMapping/>
+  </p:clrMapOvr>
+  <p:timing>
+    <p:tnLst>
+      <p:par>
+        <p:cTn id="1" dur="indefinite" restart="never" nodeType="tmRoot"/>
+      </p:par>
+    </p:tnLst>
+  </p:timing>
+</p:sld>
+</file>
+
+<file path=ppt/slides/slide9.xml><?xml version="1.0" encoding="utf-8"?>
+<p:sld xmlns:a="http://schemas.openxmlformats.org/drawingml/2006/main" xmlns:r="http://schemas.openxmlformats.org/officeDocument/2006/relationships" xmlns:p="http://schemas.openxmlformats.org/presentationml/2006/main">
+  <p:cSld>
+    <p:spTree>
+      <p:nvGrpSpPr>
+        <p:cNvPr id="1" name=""/>
+        <p:cNvGrpSpPr/>
+        <p:nvPr/>
+      </p:nvGrpSpPr>
+      <p:grpSpPr>
+        <a:xfrm>
+          <a:off x="0" y="0"/>
+          <a:ext cx="0" cy="0"/>
+          <a:chOff x="0" y="0"/>
+          <a:chExt cx="0" cy="0"/>
+        </a:xfrm>
+      </p:grpSpPr>
+      <p:sp>
+        <p:nvSpPr>
+          <p:cNvPr id="5" name="內容版面配置區 4"/>
+          <p:cNvSpPr>
+            <a:spLocks noGrp="1"/>
+          </p:cNvSpPr>
+          <p:nvPr>
+            <p:ph idx="1"/>
+          </p:nvPr>
+        </p:nvSpPr>
+        <p:spPr>
+          <a:xfrm>
+            <a:off x="0" y="2084851"/>
+            <a:ext cx="12192000" cy="2404863"/>
+          </a:xfrm>
+        </p:spPr>
+        <p:txBody>
+          <a:bodyPr anchor="ctr">
             <a:normAutofit/>
           </a:bodyPr>
           <a:lstStyle/>
           <a:p>
-            <a:r>
-              <a:rPr lang="zh-TW" altLang="en-US" b="1" dirty="0" smtClean="0">
+            <a:pPr algn="ctr">
+              <a:buNone/>
+            </a:pPr>
+            <a:r>
+              <a:rPr lang="zh-TW" altLang="en-US" sz="6400" b="1" dirty="0">
                 <a:solidFill>
                   <a:srgbClr val="660033"/>
                 </a:solidFill>
                 <a:latin typeface="微軟正黑體" pitchFamily="34" charset="-120"/>
                 <a:ea typeface="微軟正黑體" pitchFamily="34" charset="-120"/>
               </a:rPr>
-              <a:t>向高處行</a:t>
-            </a:r>
-            <a:endParaRPr lang="zh-TW" altLang="en-US" b="1" dirty="0">
+              <a:t>使我逐日所處地位</a:t>
+            </a:r>
+          </a:p>
+          <a:p>
+            <a:pPr algn="ctr">
+              <a:buNone/>
+            </a:pPr>
+            <a:r>
+              <a:rPr lang="zh-TW" altLang="en-US" sz="6400" b="1" dirty="0">
+                <a:solidFill>
+                  <a:srgbClr val="660033"/>
+                </a:solidFill>
+                <a:latin typeface="微軟正黑體" pitchFamily="34" charset="-120"/>
+                <a:ea typeface="微軟正黑體" pitchFamily="34" charset="-120"/>
+              </a:rPr>
+              <a:t>較之往日有進無退</a:t>
+            </a:r>
+            <a:endParaRPr lang="zh-TW" altLang="en-US" sz="6400" b="1" dirty="0">
               <a:solidFill>
                 <a:srgbClr val="660033"/>
               </a:solidFill>
@@ -5080,89 +5458,23 @@
           </a:p>
         </p:txBody>
       </p:sp>
-      <p:sp>
-        <p:nvSpPr>
-          <p:cNvPr id="5" name="內容版面配置區 4"/>
-          <p:cNvSpPr>
-            <a:spLocks noGrp="1"/>
-          </p:cNvSpPr>
-          <p:nvPr>
-            <p:ph idx="1"/>
-          </p:nvPr>
-        </p:nvSpPr>
-        <p:spPr/>
-        <p:txBody>
-          <a:bodyPr>
-            <a:normAutofit/>
-          </a:bodyPr>
-          <a:lstStyle/>
-          <a:p>
-            <a:pPr algn="ctr">
-              <a:buNone/>
-            </a:pPr>
-            <a:r>
-              <a:rPr lang="zh-TW" altLang="en-US" sz="5400" b="1" dirty="0">
-                <a:solidFill>
-                  <a:srgbClr val="660033"/>
-                </a:solidFill>
-                <a:latin typeface="微軟正黑體" pitchFamily="34" charset="-120"/>
-                <a:ea typeface="微軟正黑體" pitchFamily="34" charset="-120"/>
-              </a:rPr>
-              <a:t>求主扶助使我康健</a:t>
-            </a:r>
-          </a:p>
-          <a:p>
-            <a:pPr algn="ctr">
-              <a:buNone/>
-            </a:pPr>
-            <a:r>
-              <a:rPr lang="zh-TW" altLang="en-US" sz="5400" b="1" dirty="0">
-                <a:solidFill>
-                  <a:srgbClr val="660033"/>
-                </a:solidFill>
-                <a:latin typeface="微軟正黑體" pitchFamily="34" charset="-120"/>
-                <a:ea typeface="微軟正黑體" pitchFamily="34" charset="-120"/>
-              </a:rPr>
-              <a:t>憑信站在屬天高原</a:t>
-            </a:r>
-          </a:p>
-          <a:p>
-            <a:pPr algn="ctr">
-              <a:buNone/>
-            </a:pPr>
-            <a:r>
-              <a:rPr lang="zh-TW" altLang="en-US" sz="5400" b="1" dirty="0">
-                <a:solidFill>
-                  <a:srgbClr val="660033"/>
-                </a:solidFill>
-                <a:latin typeface="微軟正黑體" pitchFamily="34" charset="-120"/>
-                <a:ea typeface="微軟正黑體" pitchFamily="34" charset="-120"/>
-              </a:rPr>
-              <a:t>使我逐日所處地位</a:t>
-            </a:r>
-          </a:p>
-          <a:p>
-            <a:pPr algn="ctr">
-              <a:buNone/>
-            </a:pPr>
-            <a:r>
-              <a:rPr lang="zh-TW" altLang="en-US" sz="5400" b="1" dirty="0">
-                <a:solidFill>
-                  <a:srgbClr val="660033"/>
-                </a:solidFill>
-                <a:latin typeface="微軟正黑體" pitchFamily="34" charset="-120"/>
-                <a:ea typeface="微軟正黑體" pitchFamily="34" charset="-120"/>
-              </a:rPr>
-              <a:t>較之往日有進無退</a:t>
-            </a:r>
-          </a:p>
-        </p:txBody>
-      </p:sp>
     </p:spTree>
+    <p:extLst>
+      <p:ext uri="{BB962C8B-B14F-4D97-AF65-F5344CB8AC3E}">
+        <p14:creationId xmlns:p14="http://schemas.microsoft.com/office/powerpoint/2010/main" val="2776140610"/>
+      </p:ext>
+    </p:extLst>
   </p:cSld>
   <p:clrMapOvr>
     <a:masterClrMapping/>
   </p:clrMapOvr>
+  <p:timing>
+    <p:tnLst>
+      <p:par>
+        <p:cTn id="1" dur="indefinite" restart="never" nodeType="tmRoot"/>
+      </p:par>
+    </p:tnLst>
+  </p:timing>
 </p:sld>
 </file>
 

--- a/宣道詩/(宣道詩94)向高處行.pptx
+++ b/宣道詩/(宣道詩94)向高處行.pptx
@@ -225,7 +225,7 @@
             <a:fld id="{8C31C84E-3203-4D37-9A3B-E58CC3E17B5D}" type="datetimeFigureOut">
               <a:rPr lang="zh-TW" altLang="en-US" smtClean="0"/>
               <a:pPr/>
-              <a:t>2022/1/1</a:t>
+              <a:t>2022/9/24</a:t>
             </a:fld>
             <a:endParaRPr lang="zh-TW" altLang="en-US"/>
           </a:p>
@@ -673,7 +673,7 @@
             <a:fld id="{E2276ED2-9D2C-4A5C-BC44-0832F88325FE}" type="datetimeFigureOut">
               <a:rPr lang="zh-TW" altLang="en-US" smtClean="0"/>
               <a:pPr/>
-              <a:t>2022/1/1</a:t>
+              <a:t>2022/9/24</a:t>
             </a:fld>
             <a:endParaRPr lang="zh-TW" altLang="en-US"/>
           </a:p>
@@ -840,7 +840,7 @@
             <a:fld id="{E2276ED2-9D2C-4A5C-BC44-0832F88325FE}" type="datetimeFigureOut">
               <a:rPr lang="zh-TW" altLang="en-US" smtClean="0"/>
               <a:pPr/>
-              <a:t>2022/1/1</a:t>
+              <a:t>2022/9/24</a:t>
             </a:fld>
             <a:endParaRPr lang="zh-TW" altLang="en-US"/>
           </a:p>
@@ -1017,7 +1017,7 @@
             <a:fld id="{E2276ED2-9D2C-4A5C-BC44-0832F88325FE}" type="datetimeFigureOut">
               <a:rPr lang="zh-TW" altLang="en-US" smtClean="0"/>
               <a:pPr/>
-              <a:t>2022/1/1</a:t>
+              <a:t>2022/9/24</a:t>
             </a:fld>
             <a:endParaRPr lang="zh-TW" altLang="en-US"/>
           </a:p>
@@ -1184,7 +1184,7 @@
             <a:fld id="{E2276ED2-9D2C-4A5C-BC44-0832F88325FE}" type="datetimeFigureOut">
               <a:rPr lang="zh-TW" altLang="en-US" smtClean="0"/>
               <a:pPr/>
-              <a:t>2022/1/1</a:t>
+              <a:t>2022/9/24</a:t>
             </a:fld>
             <a:endParaRPr lang="zh-TW" altLang="en-US"/>
           </a:p>
@@ -1427,7 +1427,7 @@
             <a:fld id="{E2276ED2-9D2C-4A5C-BC44-0832F88325FE}" type="datetimeFigureOut">
               <a:rPr lang="zh-TW" altLang="en-US" smtClean="0"/>
               <a:pPr/>
-              <a:t>2022/1/1</a:t>
+              <a:t>2022/9/24</a:t>
             </a:fld>
             <a:endParaRPr lang="zh-TW" altLang="en-US"/>
           </a:p>
@@ -1712,7 +1712,7 @@
             <a:fld id="{E2276ED2-9D2C-4A5C-BC44-0832F88325FE}" type="datetimeFigureOut">
               <a:rPr lang="zh-TW" altLang="en-US" smtClean="0"/>
               <a:pPr/>
-              <a:t>2022/1/1</a:t>
+              <a:t>2022/9/24</a:t>
             </a:fld>
             <a:endParaRPr lang="zh-TW" altLang="en-US"/>
           </a:p>
@@ -2131,7 +2131,7 @@
             <a:fld id="{E2276ED2-9D2C-4A5C-BC44-0832F88325FE}" type="datetimeFigureOut">
               <a:rPr lang="zh-TW" altLang="en-US" smtClean="0"/>
               <a:pPr/>
-              <a:t>2022/1/1</a:t>
+              <a:t>2022/9/24</a:t>
             </a:fld>
             <a:endParaRPr lang="zh-TW" altLang="en-US"/>
           </a:p>
@@ -2246,7 +2246,7 @@
             <a:fld id="{E2276ED2-9D2C-4A5C-BC44-0832F88325FE}" type="datetimeFigureOut">
               <a:rPr lang="zh-TW" altLang="en-US" smtClean="0"/>
               <a:pPr/>
-              <a:t>2022/1/1</a:t>
+              <a:t>2022/9/24</a:t>
             </a:fld>
             <a:endParaRPr lang="zh-TW" altLang="en-US"/>
           </a:p>
@@ -2338,7 +2338,7 @@
             <a:fld id="{E2276ED2-9D2C-4A5C-BC44-0832F88325FE}" type="datetimeFigureOut">
               <a:rPr lang="zh-TW" altLang="en-US" smtClean="0"/>
               <a:pPr/>
-              <a:t>2022/1/1</a:t>
+              <a:t>2022/9/24</a:t>
             </a:fld>
             <a:endParaRPr lang="zh-TW" altLang="en-US"/>
           </a:p>
@@ -2612,7 +2612,7 @@
             <a:fld id="{E2276ED2-9D2C-4A5C-BC44-0832F88325FE}" type="datetimeFigureOut">
               <a:rPr lang="zh-TW" altLang="en-US" smtClean="0"/>
               <a:pPr/>
-              <a:t>2022/1/1</a:t>
+              <a:t>2022/9/24</a:t>
             </a:fld>
             <a:endParaRPr lang="zh-TW" altLang="en-US"/>
           </a:p>
@@ -2866,7 +2866,7 @@
             <a:fld id="{E2276ED2-9D2C-4A5C-BC44-0832F88325FE}" type="datetimeFigureOut">
               <a:rPr lang="zh-TW" altLang="en-US" smtClean="0"/>
               <a:pPr/>
-              <a:t>2022/1/1</a:t>
+              <a:t>2022/9/24</a:t>
             </a:fld>
             <a:endParaRPr lang="zh-TW" altLang="en-US"/>
           </a:p>
@@ -3081,7 +3081,7 @@
             <a:fld id="{E2276ED2-9D2C-4A5C-BC44-0832F88325FE}" type="datetimeFigureOut">
               <a:rPr lang="zh-TW" altLang="en-US" smtClean="0"/>
               <a:pPr/>
-              <a:t>2022/1/1</a:t>
+              <a:t>2022/9/24</a:t>
             </a:fld>
             <a:endParaRPr lang="zh-TW" altLang="en-US"/>
           </a:p>
@@ -3556,24 +3556,7 @@
                 <a:latin typeface="微軟正黑體" pitchFamily="34" charset="-120"/>
                 <a:ea typeface="微軟正黑體" pitchFamily="34" charset="-120"/>
               </a:rPr>
-              <a:t>向</a:t>
-            </a:r>
-            <a:r>
-              <a:rPr lang="zh-TW" altLang="en-US" sz="8000" b="1" dirty="0">
-                <a:solidFill>
-                  <a:srgbClr val="660033"/>
-                </a:solidFill>
-                <a:effectLst>
-                  <a:outerShdw blurRad="38100" dist="38100" dir="2700000" algn="tl">
-                    <a:srgbClr val="000000">
-                      <a:alpha val="43137"/>
-                    </a:srgbClr>
-                  </a:outerShdw>
-                </a:effectLst>
-                <a:latin typeface="微軟正黑體" pitchFamily="34" charset="-120"/>
-                <a:ea typeface="微軟正黑體" pitchFamily="34" charset="-120"/>
-              </a:rPr>
-              <a:t>高處行</a:t>
+              <a:t>向高處行</a:t>
             </a:r>
           </a:p>
         </p:txBody>
@@ -3665,13 +3648,6 @@
               </a:rPr>
               <a:t>魔鬼利劍非我所畏</a:t>
             </a:r>
-            <a:endParaRPr lang="zh-TW" altLang="en-US" sz="6400" b="1" dirty="0">
-              <a:solidFill>
-                <a:srgbClr val="660033"/>
-              </a:solidFill>
-              <a:latin typeface="微軟正黑體" pitchFamily="34" charset="-120"/>
-              <a:ea typeface="微軟正黑體" pitchFamily="34" charset="-120"/>
-            </a:endParaRPr>
           </a:p>
         </p:txBody>
       </p:sp>
@@ -3703,15 +3679,29 @@
                 <a:solidFill>
                   <a:srgbClr val="660033"/>
                 </a:solidFill>
-                <a:effectLst/>
               </a:rPr>
-              <a:t>( 3 )</a:t>
+              <a:t>( </a:t>
+            </a:r>
+            <a:r>
+              <a:rPr lang="en-US" sz="4800" b="1" dirty="0" smtClean="0">
+                <a:solidFill>
+                  <a:srgbClr val="660033"/>
+                </a:solidFill>
+              </a:rPr>
+              <a:t>3 </a:t>
+            </a:r>
+            <a:r>
+              <a:rPr lang="en-US" sz="4800" b="1" dirty="0">
+                <a:solidFill>
+                  <a:srgbClr val="660033"/>
+                </a:solidFill>
+              </a:rPr>
+              <a:t>/ 4 )</a:t>
             </a:r>
             <a:endParaRPr lang="vi-VN" sz="4800" b="1" dirty="0">
               <a:solidFill>
                 <a:srgbClr val="660033"/>
               </a:solidFill>
-              <a:effectLst/>
             </a:endParaRPr>
           </a:p>
         </p:txBody>
@@ -3803,13 +3793,6 @@
               </a:rPr>
               <a:t>妙音佳調使我快樂</a:t>
             </a:r>
-            <a:endParaRPr lang="zh-TW" altLang="en-US" sz="6400" b="1" dirty="0">
-              <a:solidFill>
-                <a:srgbClr val="660033"/>
-              </a:solidFill>
-              <a:latin typeface="微軟正黑體" pitchFamily="34" charset="-120"/>
-              <a:ea typeface="微軟正黑體" pitchFamily="34" charset="-120"/>
-            </a:endParaRPr>
           </a:p>
         </p:txBody>
       </p:sp>
@@ -3841,15 +3824,13 @@
                 <a:solidFill>
                   <a:srgbClr val="660033"/>
                 </a:solidFill>
-                <a:effectLst/>
               </a:rPr>
-              <a:t>( 3 )</a:t>
+              <a:t>( 3 / 4 )</a:t>
             </a:r>
             <a:endParaRPr lang="vi-VN" sz="4800" b="1" dirty="0">
               <a:solidFill>
                 <a:srgbClr val="660033"/>
               </a:solidFill>
-              <a:effectLst/>
             </a:endParaRPr>
           </a:p>
         </p:txBody>
@@ -3941,13 +3922,6 @@
               </a:rPr>
               <a:t>憑信站在屬天高原</a:t>
             </a:r>
-            <a:endParaRPr lang="zh-TW" altLang="en-US" sz="6400" b="1" dirty="0">
-              <a:solidFill>
-                <a:srgbClr val="660033"/>
-              </a:solidFill>
-              <a:latin typeface="微軟正黑體" pitchFamily="34" charset="-120"/>
-              <a:ea typeface="微軟正黑體" pitchFamily="34" charset="-120"/>
-            </a:endParaRPr>
           </a:p>
         </p:txBody>
       </p:sp>
@@ -4038,13 +4012,6 @@
               </a:rPr>
               <a:t>較之往日有進無退</a:t>
             </a:r>
-            <a:endParaRPr lang="zh-TW" altLang="en-US" sz="6400" b="1" dirty="0">
-              <a:solidFill>
-                <a:srgbClr val="660033"/>
-              </a:solidFill>
-              <a:latin typeface="微軟正黑體" pitchFamily="34" charset="-120"/>
-              <a:ea typeface="微軟正黑體" pitchFamily="34" charset="-120"/>
-            </a:endParaRPr>
           </a:p>
         </p:txBody>
       </p:sp>
@@ -4135,13 +4102,6 @@
               </a:rPr>
               <a:t>渴慕得見榮光美景</a:t>
             </a:r>
-            <a:endParaRPr lang="zh-TW" altLang="en-US" sz="6400" b="1" dirty="0">
-              <a:solidFill>
-                <a:srgbClr val="660033"/>
-              </a:solidFill>
-              <a:latin typeface="微軟正黑體" pitchFamily="34" charset="-120"/>
-              <a:ea typeface="微軟正黑體" pitchFamily="34" charset="-120"/>
-            </a:endParaRPr>
           </a:p>
         </p:txBody>
       </p:sp>
@@ -4173,15 +4133,29 @@
                 <a:solidFill>
                   <a:srgbClr val="660033"/>
                 </a:solidFill>
-                <a:effectLst/>
               </a:rPr>
-              <a:t>( 4 )</a:t>
+              <a:t>( </a:t>
+            </a:r>
+            <a:r>
+              <a:rPr lang="en-US" sz="4800" b="1" dirty="0" smtClean="0">
+                <a:solidFill>
+                  <a:srgbClr val="660033"/>
+                </a:solidFill>
+              </a:rPr>
+              <a:t>4 </a:t>
+            </a:r>
+            <a:r>
+              <a:rPr lang="en-US" sz="4800" b="1" dirty="0">
+                <a:solidFill>
+                  <a:srgbClr val="660033"/>
+                </a:solidFill>
+              </a:rPr>
+              <a:t>/ 4 )</a:t>
             </a:r>
             <a:endParaRPr lang="vi-VN" sz="4800" b="1" dirty="0">
               <a:solidFill>
                 <a:srgbClr val="660033"/>
               </a:solidFill>
-              <a:effectLst/>
             </a:endParaRPr>
           </a:p>
         </p:txBody>
@@ -4273,13 +4247,6 @@
               </a:rPr>
               <a:t>求主領我向高處行</a:t>
             </a:r>
-            <a:endParaRPr lang="zh-TW" altLang="en-US" sz="6400" b="1" dirty="0">
-              <a:solidFill>
-                <a:srgbClr val="660033"/>
-              </a:solidFill>
-              <a:latin typeface="微軟正黑體" pitchFamily="34" charset="-120"/>
-              <a:ea typeface="微軟正黑體" pitchFamily="34" charset="-120"/>
-            </a:endParaRPr>
           </a:p>
         </p:txBody>
       </p:sp>
@@ -4311,15 +4278,13 @@
                 <a:solidFill>
                   <a:srgbClr val="660033"/>
                 </a:solidFill>
-                <a:effectLst/>
               </a:rPr>
-              <a:t>( 4 )</a:t>
+              <a:t>( 4 / 4 )</a:t>
             </a:r>
             <a:endParaRPr lang="vi-VN" sz="4800" b="1" dirty="0">
               <a:solidFill>
                 <a:srgbClr val="660033"/>
               </a:solidFill>
-              <a:effectLst/>
             </a:endParaRPr>
           </a:p>
         </p:txBody>
@@ -4411,13 +4376,6 @@
               </a:rPr>
               <a:t>憑信站在屬天高原</a:t>
             </a:r>
-            <a:endParaRPr lang="zh-TW" altLang="en-US" sz="6400" b="1" dirty="0">
-              <a:solidFill>
-                <a:srgbClr val="660033"/>
-              </a:solidFill>
-              <a:latin typeface="微軟正黑體" pitchFamily="34" charset="-120"/>
-              <a:ea typeface="微軟正黑體" pitchFamily="34" charset="-120"/>
-            </a:endParaRPr>
           </a:p>
         </p:txBody>
       </p:sp>
@@ -4508,13 +4466,6 @@
               </a:rPr>
               <a:t>較之往日有進無退</a:t>
             </a:r>
-            <a:endParaRPr lang="zh-TW" altLang="en-US" sz="6400" b="1" dirty="0">
-              <a:solidFill>
-                <a:srgbClr val="660033"/>
-              </a:solidFill>
-              <a:latin typeface="微軟正黑體" pitchFamily="34" charset="-120"/>
-              <a:ea typeface="微軟正黑體" pitchFamily="34" charset="-120"/>
-            </a:endParaRPr>
           </a:p>
         </p:txBody>
       </p:sp>
@@ -4605,13 +4556,6 @@
               </a:rPr>
               <a:t>靈性地位日日高昇</a:t>
             </a:r>
-            <a:endParaRPr lang="zh-TW" altLang="en-US" sz="6400" b="1" dirty="0">
-              <a:solidFill>
-                <a:srgbClr val="660033"/>
-              </a:solidFill>
-              <a:latin typeface="微軟正黑體" pitchFamily="34" charset="-120"/>
-              <a:ea typeface="微軟正黑體" pitchFamily="34" charset="-120"/>
-            </a:endParaRPr>
           </a:p>
         </p:txBody>
       </p:sp>
@@ -4645,7 +4589,16 @@
                 </a:solidFill>
                 <a:effectLst/>
               </a:rPr>
-              <a:t>( 1 )</a:t>
+              <a:t>( 1 </a:t>
+            </a:r>
+            <a:r>
+              <a:rPr lang="en-US" sz="4800" b="1" dirty="0" smtClean="0">
+                <a:solidFill>
+                  <a:srgbClr val="660033"/>
+                </a:solidFill>
+                <a:effectLst/>
+              </a:rPr>
+              <a:t>/ 4 )</a:t>
             </a:r>
             <a:endParaRPr lang="vi-VN" sz="4800" b="1" dirty="0">
               <a:solidFill>
@@ -4743,13 +4696,6 @@
               </a:rPr>
               <a:t>求主領我向高處行</a:t>
             </a:r>
-            <a:endParaRPr lang="zh-TW" altLang="en-US" sz="6400" b="1" dirty="0">
-              <a:solidFill>
-                <a:srgbClr val="660033"/>
-              </a:solidFill>
-              <a:latin typeface="微軟正黑體" pitchFamily="34" charset="-120"/>
-              <a:ea typeface="微軟正黑體" pitchFamily="34" charset="-120"/>
-            </a:endParaRPr>
           </a:p>
         </p:txBody>
       </p:sp>
@@ -4781,15 +4727,13 @@
                 <a:solidFill>
                   <a:srgbClr val="660033"/>
                 </a:solidFill>
-                <a:effectLst/>
               </a:rPr>
-              <a:t>( 1 )</a:t>
+              <a:t>( 1 / 4 )</a:t>
             </a:r>
             <a:endParaRPr lang="vi-VN" sz="4800" b="1" dirty="0">
               <a:solidFill>
                 <a:srgbClr val="660033"/>
               </a:solidFill>
-              <a:effectLst/>
             </a:endParaRPr>
           </a:p>
         </p:txBody>
@@ -4881,13 +4825,6 @@
               </a:rPr>
               <a:t>憑信站在屬天高原</a:t>
             </a:r>
-            <a:endParaRPr lang="zh-TW" altLang="en-US" sz="6400" b="1" dirty="0">
-              <a:solidFill>
-                <a:srgbClr val="660033"/>
-              </a:solidFill>
-              <a:latin typeface="微軟正黑體" pitchFamily="34" charset="-120"/>
-              <a:ea typeface="微軟正黑體" pitchFamily="34" charset="-120"/>
-            </a:endParaRPr>
           </a:p>
         </p:txBody>
       </p:sp>
@@ -4978,13 +4915,6 @@
               </a:rPr>
               <a:t>較之往日有進無退</a:t>
             </a:r>
-            <a:endParaRPr lang="zh-TW" altLang="en-US" sz="6400" b="1" dirty="0">
-              <a:solidFill>
-                <a:srgbClr val="660033"/>
-              </a:solidFill>
-              <a:latin typeface="微軟正黑體" pitchFamily="34" charset="-120"/>
-              <a:ea typeface="微軟正黑體" pitchFamily="34" charset="-120"/>
-            </a:endParaRPr>
           </a:p>
         </p:txBody>
       </p:sp>
@@ -5075,13 +5005,6 @@
               </a:rPr>
               <a:t>非我所要久居之都</a:t>
             </a:r>
-            <a:endParaRPr lang="zh-TW" altLang="en-US" sz="6400" b="1" dirty="0">
-              <a:solidFill>
-                <a:srgbClr val="660033"/>
-              </a:solidFill>
-              <a:latin typeface="微軟正黑體" pitchFamily="34" charset="-120"/>
-              <a:ea typeface="微軟正黑體" pitchFamily="34" charset="-120"/>
-            </a:endParaRPr>
           </a:p>
         </p:txBody>
       </p:sp>
@@ -5113,15 +5036,29 @@
                 <a:solidFill>
                   <a:srgbClr val="660033"/>
                 </a:solidFill>
-                <a:effectLst/>
               </a:rPr>
-              <a:t>( 2 )</a:t>
+              <a:t>( </a:t>
+            </a:r>
+            <a:r>
+              <a:rPr lang="en-US" sz="4800" b="1" dirty="0" smtClean="0">
+                <a:solidFill>
+                  <a:srgbClr val="660033"/>
+                </a:solidFill>
+              </a:rPr>
+              <a:t>2 </a:t>
+            </a:r>
+            <a:r>
+              <a:rPr lang="en-US" sz="4800" b="1" dirty="0">
+                <a:solidFill>
+                  <a:srgbClr val="660033"/>
+                </a:solidFill>
+              </a:rPr>
+              <a:t>/ 4 )</a:t>
             </a:r>
             <a:endParaRPr lang="vi-VN" sz="4800" b="1" dirty="0">
               <a:solidFill>
                 <a:srgbClr val="660033"/>
               </a:solidFill>
-              <a:effectLst/>
             </a:endParaRPr>
           </a:p>
         </p:txBody>
@@ -5213,13 +5150,6 @@
               </a:rPr>
               <a:t>但我目注更美之地</a:t>
             </a:r>
-            <a:endParaRPr lang="zh-TW" altLang="en-US" sz="6400" b="1" dirty="0">
-              <a:solidFill>
-                <a:srgbClr val="660033"/>
-              </a:solidFill>
-              <a:latin typeface="微軟正黑體" pitchFamily="34" charset="-120"/>
-              <a:ea typeface="微軟正黑體" pitchFamily="34" charset="-120"/>
-            </a:endParaRPr>
           </a:p>
         </p:txBody>
       </p:sp>
@@ -5251,15 +5181,13 @@
                 <a:solidFill>
                   <a:srgbClr val="660033"/>
                 </a:solidFill>
-                <a:effectLst/>
               </a:rPr>
-              <a:t>( 2 )</a:t>
+              <a:t>( 2 / 4 )</a:t>
             </a:r>
             <a:endParaRPr lang="vi-VN" sz="4800" b="1" dirty="0">
               <a:solidFill>
                 <a:srgbClr val="660033"/>
               </a:solidFill>
-              <a:effectLst/>
             </a:endParaRPr>
           </a:p>
         </p:txBody>
@@ -5351,13 +5279,6 @@
               </a:rPr>
               <a:t>憑信站在屬天高原</a:t>
             </a:r>
-            <a:endParaRPr lang="zh-TW" altLang="en-US" sz="6400" b="1" dirty="0">
-              <a:solidFill>
-                <a:srgbClr val="660033"/>
-              </a:solidFill>
-              <a:latin typeface="微軟正黑體" pitchFamily="34" charset="-120"/>
-              <a:ea typeface="微軟正黑體" pitchFamily="34" charset="-120"/>
-            </a:endParaRPr>
           </a:p>
         </p:txBody>
       </p:sp>
@@ -5448,13 +5369,6 @@
               </a:rPr>
               <a:t>較之往日有進無退</a:t>
             </a:r>
-            <a:endParaRPr lang="zh-TW" altLang="en-US" sz="6400" b="1" dirty="0">
-              <a:solidFill>
-                <a:srgbClr val="660033"/>
-              </a:solidFill>
-              <a:latin typeface="微軟正黑體" pitchFamily="34" charset="-120"/>
-              <a:ea typeface="微軟正黑體" pitchFamily="34" charset="-120"/>
-            </a:endParaRPr>
           </a:p>
         </p:txBody>
       </p:sp>

--- a/宣道詩/(宣道詩94)向高處行.pptx
+++ b/宣道詩/(宣道詩94)向高處行.pptx
@@ -225,7 +225,7 @@
             <a:fld id="{8C31C84E-3203-4D37-9A3B-E58CC3E17B5D}" type="datetimeFigureOut">
               <a:rPr lang="zh-TW" altLang="en-US" smtClean="0"/>
               <a:pPr/>
-              <a:t>2022/9/24</a:t>
+              <a:t>2023/1/2</a:t>
             </a:fld>
             <a:endParaRPr lang="zh-TW" altLang="en-US"/>
           </a:p>
@@ -673,7 +673,7 @@
             <a:fld id="{E2276ED2-9D2C-4A5C-BC44-0832F88325FE}" type="datetimeFigureOut">
               <a:rPr lang="zh-TW" altLang="en-US" smtClean="0"/>
               <a:pPr/>
-              <a:t>2022/9/24</a:t>
+              <a:t>2023/1/2</a:t>
             </a:fld>
             <a:endParaRPr lang="zh-TW" altLang="en-US"/>
           </a:p>
@@ -840,7 +840,7 @@
             <a:fld id="{E2276ED2-9D2C-4A5C-BC44-0832F88325FE}" type="datetimeFigureOut">
               <a:rPr lang="zh-TW" altLang="en-US" smtClean="0"/>
               <a:pPr/>
-              <a:t>2022/9/24</a:t>
+              <a:t>2023/1/2</a:t>
             </a:fld>
             <a:endParaRPr lang="zh-TW" altLang="en-US"/>
           </a:p>
@@ -1017,7 +1017,7 @@
             <a:fld id="{E2276ED2-9D2C-4A5C-BC44-0832F88325FE}" type="datetimeFigureOut">
               <a:rPr lang="zh-TW" altLang="en-US" smtClean="0"/>
               <a:pPr/>
-              <a:t>2022/9/24</a:t>
+              <a:t>2023/1/2</a:t>
             </a:fld>
             <a:endParaRPr lang="zh-TW" altLang="en-US"/>
           </a:p>
@@ -1184,7 +1184,7 @@
             <a:fld id="{E2276ED2-9D2C-4A5C-BC44-0832F88325FE}" type="datetimeFigureOut">
               <a:rPr lang="zh-TW" altLang="en-US" smtClean="0"/>
               <a:pPr/>
-              <a:t>2022/9/24</a:t>
+              <a:t>2023/1/2</a:t>
             </a:fld>
             <a:endParaRPr lang="zh-TW" altLang="en-US"/>
           </a:p>
@@ -1427,7 +1427,7 @@
             <a:fld id="{E2276ED2-9D2C-4A5C-BC44-0832F88325FE}" type="datetimeFigureOut">
               <a:rPr lang="zh-TW" altLang="en-US" smtClean="0"/>
               <a:pPr/>
-              <a:t>2022/9/24</a:t>
+              <a:t>2023/1/2</a:t>
             </a:fld>
             <a:endParaRPr lang="zh-TW" altLang="en-US"/>
           </a:p>
@@ -1712,7 +1712,7 @@
             <a:fld id="{E2276ED2-9D2C-4A5C-BC44-0832F88325FE}" type="datetimeFigureOut">
               <a:rPr lang="zh-TW" altLang="en-US" smtClean="0"/>
               <a:pPr/>
-              <a:t>2022/9/24</a:t>
+              <a:t>2023/1/2</a:t>
             </a:fld>
             <a:endParaRPr lang="zh-TW" altLang="en-US"/>
           </a:p>
@@ -2131,7 +2131,7 @@
             <a:fld id="{E2276ED2-9D2C-4A5C-BC44-0832F88325FE}" type="datetimeFigureOut">
               <a:rPr lang="zh-TW" altLang="en-US" smtClean="0"/>
               <a:pPr/>
-              <a:t>2022/9/24</a:t>
+              <a:t>2023/1/2</a:t>
             </a:fld>
             <a:endParaRPr lang="zh-TW" altLang="en-US"/>
           </a:p>
@@ -2246,7 +2246,7 @@
             <a:fld id="{E2276ED2-9D2C-4A5C-BC44-0832F88325FE}" type="datetimeFigureOut">
               <a:rPr lang="zh-TW" altLang="en-US" smtClean="0"/>
               <a:pPr/>
-              <a:t>2022/9/24</a:t>
+              <a:t>2023/1/2</a:t>
             </a:fld>
             <a:endParaRPr lang="zh-TW" altLang="en-US"/>
           </a:p>
@@ -2338,7 +2338,7 @@
             <a:fld id="{E2276ED2-9D2C-4A5C-BC44-0832F88325FE}" type="datetimeFigureOut">
               <a:rPr lang="zh-TW" altLang="en-US" smtClean="0"/>
               <a:pPr/>
-              <a:t>2022/9/24</a:t>
+              <a:t>2023/1/2</a:t>
             </a:fld>
             <a:endParaRPr lang="zh-TW" altLang="en-US"/>
           </a:p>
@@ -2612,7 +2612,7 @@
             <a:fld id="{E2276ED2-9D2C-4A5C-BC44-0832F88325FE}" type="datetimeFigureOut">
               <a:rPr lang="zh-TW" altLang="en-US" smtClean="0"/>
               <a:pPr/>
-              <a:t>2022/9/24</a:t>
+              <a:t>2023/1/2</a:t>
             </a:fld>
             <a:endParaRPr lang="zh-TW" altLang="en-US"/>
           </a:p>
@@ -2866,7 +2866,7 @@
             <a:fld id="{E2276ED2-9D2C-4A5C-BC44-0832F88325FE}" type="datetimeFigureOut">
               <a:rPr lang="zh-TW" altLang="en-US" smtClean="0"/>
               <a:pPr/>
-              <a:t>2022/9/24</a:t>
+              <a:t>2023/1/2</a:t>
             </a:fld>
             <a:endParaRPr lang="zh-TW" altLang="en-US"/>
           </a:p>
@@ -3081,7 +3081,7 @@
             <a:fld id="{E2276ED2-9D2C-4A5C-BC44-0832F88325FE}" type="datetimeFigureOut">
               <a:rPr lang="zh-TW" altLang="en-US" smtClean="0"/>
               <a:pPr/>
-              <a:t>2022/9/24</a:t>
+              <a:t>2023/1/2</a:t>
             </a:fld>
             <a:endParaRPr lang="zh-TW" altLang="en-US"/>
           </a:p>
@@ -3660,7 +3660,7 @@
         <p:spPr>
           <a:xfrm>
             <a:off x="0" y="5061182"/>
-            <a:ext cx="12192000" cy="830997"/>
+            <a:ext cx="12192000" cy="707886"/>
           </a:xfrm>
           <a:prstGeom prst="rect">
             <a:avLst/>
@@ -3675,7 +3675,7 @@
           <a:p>
             <a:pPr algn="ctr"/>
             <a:r>
-              <a:rPr lang="en-US" sz="4800" b="1" dirty="0">
+              <a:rPr lang="en-US" sz="4000" b="1" dirty="0">
                 <a:solidFill>
                   <a:srgbClr val="660033"/>
                 </a:solidFill>
@@ -3683,7 +3683,7 @@
               <a:t>( </a:t>
             </a:r>
             <a:r>
-              <a:rPr lang="en-US" sz="4800" b="1" dirty="0" smtClean="0">
+              <a:rPr lang="en-US" sz="4000" b="1" dirty="0">
                 <a:solidFill>
                   <a:srgbClr val="660033"/>
                 </a:solidFill>
@@ -3691,14 +3691,14 @@
               <a:t>3 </a:t>
             </a:r>
             <a:r>
-              <a:rPr lang="en-US" sz="4800" b="1" dirty="0">
+              <a:rPr lang="en-US" sz="4000" b="1" dirty="0">
                 <a:solidFill>
                   <a:srgbClr val="660033"/>
                 </a:solidFill>
               </a:rPr>
               <a:t>/ 4 )</a:t>
             </a:r>
-            <a:endParaRPr lang="vi-VN" sz="4800" b="1" dirty="0">
+            <a:endParaRPr lang="vi-VN" sz="4000" b="1" dirty="0">
               <a:solidFill>
                 <a:srgbClr val="660033"/>
               </a:solidFill>
@@ -3805,7 +3805,7 @@
         <p:spPr>
           <a:xfrm>
             <a:off x="0" y="5061182"/>
-            <a:ext cx="12192000" cy="830997"/>
+            <a:ext cx="12192000" cy="707886"/>
           </a:xfrm>
           <a:prstGeom prst="rect">
             <a:avLst/>
@@ -3820,14 +3820,14 @@
           <a:p>
             <a:pPr algn="ctr"/>
             <a:r>
-              <a:rPr lang="en-US" sz="4800" b="1" dirty="0">
+              <a:rPr lang="en-US" sz="4000" b="1" dirty="0">
                 <a:solidFill>
                   <a:srgbClr val="660033"/>
                 </a:solidFill>
               </a:rPr>
               <a:t>( 3 / 4 )</a:t>
             </a:r>
-            <a:endParaRPr lang="vi-VN" sz="4800" b="1" dirty="0">
+            <a:endParaRPr lang="vi-VN" sz="4000" b="1" dirty="0">
               <a:solidFill>
                 <a:srgbClr val="660033"/>
               </a:solidFill>
@@ -4114,7 +4114,7 @@
         <p:spPr>
           <a:xfrm>
             <a:off x="0" y="5061182"/>
-            <a:ext cx="12192000" cy="830997"/>
+            <a:ext cx="12192000" cy="707886"/>
           </a:xfrm>
           <a:prstGeom prst="rect">
             <a:avLst/>
@@ -4129,7 +4129,7 @@
           <a:p>
             <a:pPr algn="ctr"/>
             <a:r>
-              <a:rPr lang="en-US" sz="4800" b="1" dirty="0">
+              <a:rPr lang="en-US" sz="4000" b="1" dirty="0">
                 <a:solidFill>
                   <a:srgbClr val="660033"/>
                 </a:solidFill>
@@ -4137,7 +4137,7 @@
               <a:t>( </a:t>
             </a:r>
             <a:r>
-              <a:rPr lang="en-US" sz="4800" b="1" dirty="0" smtClean="0">
+              <a:rPr lang="en-US" sz="4000" b="1" dirty="0">
                 <a:solidFill>
                   <a:srgbClr val="660033"/>
                 </a:solidFill>
@@ -4145,14 +4145,14 @@
               <a:t>4 </a:t>
             </a:r>
             <a:r>
-              <a:rPr lang="en-US" sz="4800" b="1" dirty="0">
+              <a:rPr lang="en-US" sz="4000" b="1" dirty="0">
                 <a:solidFill>
                   <a:srgbClr val="660033"/>
                 </a:solidFill>
               </a:rPr>
               <a:t>/ 4 )</a:t>
             </a:r>
-            <a:endParaRPr lang="vi-VN" sz="4800" b="1" dirty="0">
+            <a:endParaRPr lang="vi-VN" sz="4000" b="1" dirty="0">
               <a:solidFill>
                 <a:srgbClr val="660033"/>
               </a:solidFill>
@@ -4259,7 +4259,7 @@
         <p:spPr>
           <a:xfrm>
             <a:off x="0" y="5061182"/>
-            <a:ext cx="12192000" cy="830997"/>
+            <a:ext cx="12192000" cy="707886"/>
           </a:xfrm>
           <a:prstGeom prst="rect">
             <a:avLst/>
@@ -4274,14 +4274,14 @@
           <a:p>
             <a:pPr algn="ctr"/>
             <a:r>
-              <a:rPr lang="en-US" sz="4800" b="1" dirty="0">
+              <a:rPr lang="en-US" sz="4000" b="1" dirty="0">
                 <a:solidFill>
                   <a:srgbClr val="660033"/>
                 </a:solidFill>
               </a:rPr>
               <a:t>( 4 / 4 )</a:t>
             </a:r>
-            <a:endParaRPr lang="vi-VN" sz="4800" b="1" dirty="0">
+            <a:endParaRPr lang="vi-VN" sz="4000" b="1" dirty="0">
               <a:solidFill>
                 <a:srgbClr val="660033"/>
               </a:solidFill>
@@ -4568,7 +4568,7 @@
         <p:spPr>
           <a:xfrm>
             <a:off x="0" y="5061182"/>
-            <a:ext cx="12192000" cy="830997"/>
+            <a:ext cx="12192000" cy="707886"/>
           </a:xfrm>
           <a:prstGeom prst="rect">
             <a:avLst/>
@@ -4583,7 +4583,7 @@
           <a:p>
             <a:pPr algn="ctr"/>
             <a:r>
-              <a:rPr lang="en-US" sz="4800" b="1" dirty="0">
+              <a:rPr lang="en-US" sz="4000" b="1" dirty="0">
                 <a:solidFill>
                   <a:srgbClr val="660033"/>
                 </a:solidFill>
@@ -4592,7 +4592,7 @@
               <a:t>( 1 </a:t>
             </a:r>
             <a:r>
-              <a:rPr lang="en-US" sz="4800" b="1" dirty="0" smtClean="0">
+              <a:rPr lang="en-US" sz="4000" b="1" dirty="0" smtClean="0">
                 <a:solidFill>
                   <a:srgbClr val="660033"/>
                 </a:solidFill>
@@ -4600,7 +4600,7 @@
               </a:rPr>
               <a:t>/ 4 )</a:t>
             </a:r>
-            <a:endParaRPr lang="vi-VN" sz="4800" b="1" dirty="0">
+            <a:endParaRPr lang="vi-VN" sz="4000" b="1" dirty="0">
               <a:solidFill>
                 <a:srgbClr val="660033"/>
               </a:solidFill>
@@ -4708,7 +4708,7 @@
         <p:spPr>
           <a:xfrm>
             <a:off x="0" y="5061182"/>
-            <a:ext cx="12192000" cy="830997"/>
+            <a:ext cx="12192000" cy="707886"/>
           </a:xfrm>
           <a:prstGeom prst="rect">
             <a:avLst/>
@@ -4723,14 +4723,14 @@
           <a:p>
             <a:pPr algn="ctr"/>
             <a:r>
-              <a:rPr lang="en-US" sz="4800" b="1" dirty="0">
+              <a:rPr lang="en-US" sz="4000" b="1" dirty="0">
                 <a:solidFill>
                   <a:srgbClr val="660033"/>
                 </a:solidFill>
               </a:rPr>
               <a:t>( 1 / 4 )</a:t>
             </a:r>
-            <a:endParaRPr lang="vi-VN" sz="4800" b="1" dirty="0">
+            <a:endParaRPr lang="vi-VN" sz="4000" b="1" dirty="0">
               <a:solidFill>
                 <a:srgbClr val="660033"/>
               </a:solidFill>
@@ -5017,7 +5017,7 @@
         <p:spPr>
           <a:xfrm>
             <a:off x="0" y="5061182"/>
-            <a:ext cx="12192000" cy="830997"/>
+            <a:ext cx="12192000" cy="707886"/>
           </a:xfrm>
           <a:prstGeom prst="rect">
             <a:avLst/>
@@ -5032,7 +5032,7 @@
           <a:p>
             <a:pPr algn="ctr"/>
             <a:r>
-              <a:rPr lang="en-US" sz="4800" b="1" dirty="0">
+              <a:rPr lang="en-US" sz="4000" b="1" dirty="0">
                 <a:solidFill>
                   <a:srgbClr val="660033"/>
                 </a:solidFill>
@@ -5040,7 +5040,7 @@
               <a:t>( </a:t>
             </a:r>
             <a:r>
-              <a:rPr lang="en-US" sz="4800" b="1" dirty="0" smtClean="0">
+              <a:rPr lang="en-US" sz="4000" b="1" dirty="0">
                 <a:solidFill>
                   <a:srgbClr val="660033"/>
                 </a:solidFill>
@@ -5048,14 +5048,14 @@
               <a:t>2 </a:t>
             </a:r>
             <a:r>
-              <a:rPr lang="en-US" sz="4800" b="1" dirty="0">
+              <a:rPr lang="en-US" sz="4000" b="1" dirty="0">
                 <a:solidFill>
                   <a:srgbClr val="660033"/>
                 </a:solidFill>
               </a:rPr>
               <a:t>/ 4 )</a:t>
             </a:r>
-            <a:endParaRPr lang="vi-VN" sz="4800" b="1" dirty="0">
+            <a:endParaRPr lang="vi-VN" sz="4000" b="1" dirty="0">
               <a:solidFill>
                 <a:srgbClr val="660033"/>
               </a:solidFill>
@@ -5162,7 +5162,7 @@
         <p:spPr>
           <a:xfrm>
             <a:off x="0" y="5061182"/>
-            <a:ext cx="12192000" cy="830997"/>
+            <a:ext cx="12192000" cy="707886"/>
           </a:xfrm>
           <a:prstGeom prst="rect">
             <a:avLst/>
@@ -5177,14 +5177,14 @@
           <a:p>
             <a:pPr algn="ctr"/>
             <a:r>
-              <a:rPr lang="en-US" sz="4800" b="1" dirty="0">
+              <a:rPr lang="en-US" sz="4000" b="1" dirty="0">
                 <a:solidFill>
                   <a:srgbClr val="660033"/>
                 </a:solidFill>
               </a:rPr>
               <a:t>( 2 / 4 )</a:t>
             </a:r>
-            <a:endParaRPr lang="vi-VN" sz="4800" b="1" dirty="0">
+            <a:endParaRPr lang="vi-VN" sz="4000" b="1" dirty="0">
               <a:solidFill>
                 <a:srgbClr val="660033"/>
               </a:solidFill>
